--- a/defence.pptx
+++ b/defence.pptx
@@ -7,16 +7,20 @@
   <p:sldIdLst>
     <p:sldId id="256" r:id="rId2"/>
     <p:sldId id="258" r:id="rId3"/>
-    <p:sldId id="259" r:id="rId4"/>
-    <p:sldId id="260" r:id="rId5"/>
-    <p:sldId id="265" r:id="rId6"/>
-    <p:sldId id="261" r:id="rId7"/>
-    <p:sldId id="266" r:id="rId8"/>
-    <p:sldId id="267" r:id="rId9"/>
-    <p:sldId id="262" r:id="rId10"/>
-    <p:sldId id="263" r:id="rId11"/>
-    <p:sldId id="264" r:id="rId12"/>
-    <p:sldId id="257" r:id="rId13"/>
+    <p:sldId id="260" r:id="rId4"/>
+    <p:sldId id="265" r:id="rId5"/>
+    <p:sldId id="261" r:id="rId6"/>
+    <p:sldId id="266" r:id="rId7"/>
+    <p:sldId id="267" r:id="rId8"/>
+    <p:sldId id="268" r:id="rId9"/>
+    <p:sldId id="269" r:id="rId10"/>
+    <p:sldId id="271" r:id="rId11"/>
+    <p:sldId id="272" r:id="rId12"/>
+    <p:sldId id="273" r:id="rId13"/>
+    <p:sldId id="262" r:id="rId14"/>
+    <p:sldId id="274" r:id="rId15"/>
+    <p:sldId id="264" r:id="rId16"/>
+    <p:sldId id="257" r:id="rId17"/>
   </p:sldIdLst>
   <p:sldSz cx="12192000" cy="6858000"/>
   <p:notesSz cx="6858000" cy="9144000"/>
@@ -254,7 +258,7 @@
           <a:p>
             <a:fld id="{C94F4030-D620-4AFD-B8DB-995B4E4B4A79}" type="datetimeFigureOut">
               <a:rPr lang="ru-RU" smtClean="0"/>
-              <a:t>08.05.2017</a:t>
+              <a:t>10.05.2017</a:t>
             </a:fld>
             <a:endParaRPr lang="ru-RU"/>
           </a:p>
@@ -424,7 +428,7 @@
           <a:p>
             <a:fld id="{C94F4030-D620-4AFD-B8DB-995B4E4B4A79}" type="datetimeFigureOut">
               <a:rPr lang="ru-RU" smtClean="0"/>
-              <a:t>08.05.2017</a:t>
+              <a:t>10.05.2017</a:t>
             </a:fld>
             <a:endParaRPr lang="ru-RU"/>
           </a:p>
@@ -604,7 +608,7 @@
           <a:p>
             <a:fld id="{C94F4030-D620-4AFD-B8DB-995B4E4B4A79}" type="datetimeFigureOut">
               <a:rPr lang="ru-RU" smtClean="0"/>
-              <a:t>08.05.2017</a:t>
+              <a:t>10.05.2017</a:t>
             </a:fld>
             <a:endParaRPr lang="ru-RU"/>
           </a:p>
@@ -774,7 +778,7 @@
           <a:p>
             <a:fld id="{C94F4030-D620-4AFD-B8DB-995B4E4B4A79}" type="datetimeFigureOut">
               <a:rPr lang="ru-RU" smtClean="0"/>
-              <a:t>08.05.2017</a:t>
+              <a:t>10.05.2017</a:t>
             </a:fld>
             <a:endParaRPr lang="ru-RU"/>
           </a:p>
@@ -1020,7 +1024,7 @@
           <a:p>
             <a:fld id="{C94F4030-D620-4AFD-B8DB-995B4E4B4A79}" type="datetimeFigureOut">
               <a:rPr lang="ru-RU" smtClean="0"/>
-              <a:t>08.05.2017</a:t>
+              <a:t>10.05.2017</a:t>
             </a:fld>
             <a:endParaRPr lang="ru-RU"/>
           </a:p>
@@ -1252,7 +1256,7 @@
           <a:p>
             <a:fld id="{C94F4030-D620-4AFD-B8DB-995B4E4B4A79}" type="datetimeFigureOut">
               <a:rPr lang="ru-RU" smtClean="0"/>
-              <a:t>08.05.2017</a:t>
+              <a:t>10.05.2017</a:t>
             </a:fld>
             <a:endParaRPr lang="ru-RU"/>
           </a:p>
@@ -1619,7 +1623,7 @@
           <a:p>
             <a:fld id="{C94F4030-D620-4AFD-B8DB-995B4E4B4A79}" type="datetimeFigureOut">
               <a:rPr lang="ru-RU" smtClean="0"/>
-              <a:t>08.05.2017</a:t>
+              <a:t>10.05.2017</a:t>
             </a:fld>
             <a:endParaRPr lang="ru-RU"/>
           </a:p>
@@ -1737,7 +1741,7 @@
           <a:p>
             <a:fld id="{C94F4030-D620-4AFD-B8DB-995B4E4B4A79}" type="datetimeFigureOut">
               <a:rPr lang="ru-RU" smtClean="0"/>
-              <a:t>08.05.2017</a:t>
+              <a:t>10.05.2017</a:t>
             </a:fld>
             <a:endParaRPr lang="ru-RU"/>
           </a:p>
@@ -1832,7 +1836,7 @@
           <a:p>
             <a:fld id="{C94F4030-D620-4AFD-B8DB-995B4E4B4A79}" type="datetimeFigureOut">
               <a:rPr lang="ru-RU" smtClean="0"/>
-              <a:t>08.05.2017</a:t>
+              <a:t>10.05.2017</a:t>
             </a:fld>
             <a:endParaRPr lang="ru-RU"/>
           </a:p>
@@ -2109,7 +2113,7 @@
           <a:p>
             <a:fld id="{C94F4030-D620-4AFD-B8DB-995B4E4B4A79}" type="datetimeFigureOut">
               <a:rPr lang="ru-RU" smtClean="0"/>
-              <a:t>08.05.2017</a:t>
+              <a:t>10.05.2017</a:t>
             </a:fld>
             <a:endParaRPr lang="ru-RU"/>
           </a:p>
@@ -2362,7 +2366,7 @@
           <a:p>
             <a:fld id="{C94F4030-D620-4AFD-B8DB-995B4E4B4A79}" type="datetimeFigureOut">
               <a:rPr lang="ru-RU" smtClean="0"/>
-              <a:t>08.05.2017</a:t>
+              <a:t>10.05.2017</a:t>
             </a:fld>
             <a:endParaRPr lang="ru-RU"/>
           </a:p>
@@ -2575,7 +2579,7 @@
           <a:p>
             <a:fld id="{C94F4030-D620-4AFD-B8DB-995B4E4B4A79}" type="datetimeFigureOut">
               <a:rPr lang="ru-RU" smtClean="0"/>
-              <a:t>08.05.2017</a:t>
+              <a:t>10.05.2017</a:t>
             </a:fld>
             <a:endParaRPr lang="ru-RU"/>
           </a:p>
@@ -2993,13 +2997,13 @@
         <p:spPr/>
         <p:txBody>
           <a:bodyPr>
-            <a:normAutofit/>
+            <a:normAutofit fontScale="90000"/>
           </a:bodyPr>
           <a:lstStyle/>
           <a:p>
             <a:r>
               <a:rPr lang="ru-RU" dirty="0" smtClean="0"/>
-              <a:t>Перевальные оценки для…</a:t>
+              <a:t>Использование метода перевала в нестационарных задачах квантовой механики</a:t>
             </a:r>
             <a:endParaRPr lang="ru-RU" dirty="0"/>
           </a:p>
@@ -3022,11 +3026,7 @@
           <a:p>
             <a:r>
               <a:rPr lang="ru-RU" dirty="0" smtClean="0"/>
-              <a:t>Махно</a:t>
-            </a:r>
-            <a:r>
-              <a:rPr lang="ru-RU" dirty="0" smtClean="0"/>
-              <a:t> </a:t>
+              <a:t>Махно </a:t>
             </a:r>
             <a:r>
               <a:rPr lang="ru-RU" dirty="0" err="1" smtClean="0"/>
@@ -3076,6 +3076,13 @@
   <p:clrMapOvr>
     <a:masterClrMapping/>
   </p:clrMapOvr>
+  <p:timing>
+    <p:tnLst>
+      <p:par>
+        <p:cTn id="1" dur="indefinite" restart="never" nodeType="tmRoot"/>
+      </p:par>
+    </p:tnLst>
+  </p:timing>
 </p:sld>
 </file>
 
@@ -3111,51 +3118,56 @@
           <a:bodyPr/>
           <a:lstStyle/>
           <a:p>
-            <a:r>
-              <a:rPr lang="ru-RU" dirty="0"/>
-              <a:t>Обсуждение результатов </a:t>
-            </a:r>
-            <a:r>
-              <a:rPr lang="ru-RU" dirty="0" smtClean="0"/>
-              <a:t>моделирования</a:t>
-            </a:r>
-            <a:endParaRPr lang="ru-RU" dirty="0"/>
-          </a:p>
-        </p:txBody>
-      </p:sp>
-      <p:sp>
-        <p:nvSpPr>
-          <p:cNvPr id="3" name="Объект 2"/>
-          <p:cNvSpPr>
-            <a:spLocks noGrp="1"/>
-          </p:cNvSpPr>
+            <a:endParaRPr lang="ru-RU"/>
+          </a:p>
+        </p:txBody>
+      </p:sp>
+      <p:pic>
+        <p:nvPicPr>
+          <p:cNvPr id="4" name="Объект 3"/>
+          <p:cNvPicPr>
+            <a:picLocks noGrp="1" noChangeAspect="1"/>
+          </p:cNvPicPr>
           <p:nvPr>
             <p:ph idx="1"/>
           </p:nvPr>
-        </p:nvSpPr>
-        <p:spPr/>
-        <p:txBody>
-          <a:bodyPr/>
-          <a:lstStyle/>
-          <a:p>
-            <a:r>
-              <a:rPr lang="ru-RU" dirty="0" smtClean="0"/>
-              <a:t>Вставлю сюда график с корнями и график численного решения</a:t>
-            </a:r>
-            <a:endParaRPr lang="ru-RU" dirty="0"/>
-          </a:p>
-        </p:txBody>
-      </p:sp>
+        </p:nvPicPr>
+        <p:blipFill>
+          <a:blip r:embed="rId2">
+            <a:extLst>
+              <a:ext uri="{28A0092B-C50C-407E-A947-70E740481C1C}">
+                <a14:useLocalDpi xmlns:a14="http://schemas.microsoft.com/office/drawing/2010/main" val="0"/>
+              </a:ext>
+            </a:extLst>
+          </a:blip>
+          <a:stretch>
+            <a:fillRect/>
+          </a:stretch>
+        </p:blipFill>
+        <p:spPr>
+          <a:xfrm>
+            <a:off x="838200" y="365124"/>
+            <a:ext cx="10580076" cy="5730875"/>
+          </a:xfrm>
+        </p:spPr>
+      </p:pic>
     </p:spTree>
     <p:extLst>
       <p:ext uri="{BB962C8B-B14F-4D97-AF65-F5344CB8AC3E}">
-        <p14:creationId xmlns:p14="http://schemas.microsoft.com/office/powerpoint/2010/main" val="3534543309"/>
+        <p14:creationId xmlns:p14="http://schemas.microsoft.com/office/powerpoint/2010/main" val="510809338"/>
       </p:ext>
     </p:extLst>
   </p:cSld>
   <p:clrMapOvr>
     <a:masterClrMapping/>
   </p:clrMapOvr>
+  <p:timing>
+    <p:tnLst>
+      <p:par>
+        <p:cTn id="1" dur="indefinite" restart="never" nodeType="tmRoot"/>
+      </p:par>
+    </p:tnLst>
+  </p:timing>
 </p:sld>
 </file>
 
@@ -3191,47 +3203,56 @@
           <a:bodyPr/>
           <a:lstStyle/>
           <a:p>
-            <a:r>
-              <a:rPr lang="ru-RU" dirty="0" smtClean="0"/>
-              <a:t>Заключение</a:t>
-            </a:r>
-            <a:endParaRPr lang="ru-RU" dirty="0"/>
-          </a:p>
-        </p:txBody>
-      </p:sp>
-      <p:sp>
-        <p:nvSpPr>
-          <p:cNvPr id="3" name="Объект 2"/>
-          <p:cNvSpPr>
-            <a:spLocks noGrp="1"/>
-          </p:cNvSpPr>
+            <a:endParaRPr lang="ru-RU"/>
+          </a:p>
+        </p:txBody>
+      </p:sp>
+      <p:pic>
+        <p:nvPicPr>
+          <p:cNvPr id="4" name="Объект 3"/>
+          <p:cNvPicPr>
+            <a:picLocks noGrp="1" noChangeAspect="1"/>
+          </p:cNvPicPr>
           <p:nvPr>
             <p:ph idx="1"/>
           </p:nvPr>
-        </p:nvSpPr>
-        <p:spPr/>
-        <p:txBody>
-          <a:bodyPr/>
-          <a:lstStyle/>
-          <a:p>
-            <a:r>
-              <a:rPr lang="ru-RU" dirty="0" smtClean="0"/>
-              <a:t>Что-нибудь написать</a:t>
-            </a:r>
-            <a:endParaRPr lang="ru-RU" dirty="0"/>
-          </a:p>
-        </p:txBody>
-      </p:sp>
+        </p:nvPicPr>
+        <p:blipFill>
+          <a:blip r:embed="rId2">
+            <a:extLst>
+              <a:ext uri="{28A0092B-C50C-407E-A947-70E740481C1C}">
+                <a14:useLocalDpi xmlns:a14="http://schemas.microsoft.com/office/drawing/2010/main" val="0"/>
+              </a:ext>
+            </a:extLst>
+          </a:blip>
+          <a:stretch>
+            <a:fillRect/>
+          </a:stretch>
+        </p:blipFill>
+        <p:spPr>
+          <a:xfrm>
+            <a:off x="838200" y="365125"/>
+            <a:ext cx="10515600" cy="5695950"/>
+          </a:xfrm>
+        </p:spPr>
+      </p:pic>
     </p:spTree>
     <p:extLst>
       <p:ext uri="{BB962C8B-B14F-4D97-AF65-F5344CB8AC3E}">
-        <p14:creationId xmlns:p14="http://schemas.microsoft.com/office/powerpoint/2010/main" val="3883134038"/>
+        <p14:creationId xmlns:p14="http://schemas.microsoft.com/office/powerpoint/2010/main" val="2758713958"/>
       </p:ext>
     </p:extLst>
   </p:cSld>
   <p:clrMapOvr>
     <a:masterClrMapping/>
   </p:clrMapOvr>
+  <p:timing>
+    <p:tnLst>
+      <p:par>
+        <p:cTn id="1" dur="indefinite" restart="never" nodeType="tmRoot"/>
+      </p:par>
+    </p:tnLst>
+  </p:timing>
 </p:sld>
 </file>
 
@@ -3267,22 +3288,84 @@
           <a:bodyPr/>
           <a:lstStyle/>
           <a:p>
-            <a:r>
-              <a:rPr lang="ru-RU" dirty="0" smtClean="0"/>
-              <a:t>Список литературы.</a:t>
-            </a:r>
-            <a:endParaRPr lang="ru-RU" dirty="0"/>
-          </a:p>
-        </p:txBody>
-      </p:sp>
-      <p:sp>
-        <p:nvSpPr>
-          <p:cNvPr id="3" name="Объект 2"/>
-          <p:cNvSpPr>
-            <a:spLocks noGrp="1"/>
-          </p:cNvSpPr>
+            <a:endParaRPr lang="ru-RU"/>
+          </a:p>
+        </p:txBody>
+      </p:sp>
+      <p:pic>
+        <p:nvPicPr>
+          <p:cNvPr id="4" name="Объект 3"/>
+          <p:cNvPicPr>
+            <a:picLocks noGrp="1" noChangeAspect="1"/>
+          </p:cNvPicPr>
           <p:nvPr>
             <p:ph idx="1"/>
+          </p:nvPr>
+        </p:nvPicPr>
+        <p:blipFill>
+          <a:blip r:embed="rId2">
+            <a:extLst>
+              <a:ext uri="{28A0092B-C50C-407E-A947-70E740481C1C}">
+                <a14:useLocalDpi xmlns:a14="http://schemas.microsoft.com/office/drawing/2010/main" val="0"/>
+              </a:ext>
+            </a:extLst>
+          </a:blip>
+          <a:stretch>
+            <a:fillRect/>
+          </a:stretch>
+        </p:blipFill>
+        <p:spPr>
+          <a:xfrm>
+            <a:off x="838200" y="365125"/>
+            <a:ext cx="10515600" cy="5695950"/>
+          </a:xfrm>
+        </p:spPr>
+      </p:pic>
+    </p:spTree>
+    <p:extLst>
+      <p:ext uri="{BB962C8B-B14F-4D97-AF65-F5344CB8AC3E}">
+        <p14:creationId xmlns:p14="http://schemas.microsoft.com/office/powerpoint/2010/main" val="3162878051"/>
+      </p:ext>
+    </p:extLst>
+  </p:cSld>
+  <p:clrMapOvr>
+    <a:masterClrMapping/>
+  </p:clrMapOvr>
+  <p:timing>
+    <p:tnLst>
+      <p:par>
+        <p:cTn id="1" dur="indefinite" restart="never" nodeType="tmRoot"/>
+      </p:par>
+    </p:tnLst>
+  </p:timing>
+</p:sld>
+</file>
+
+<file path=ppt/slides/slide13.xml><?xml version="1.0" encoding="utf-8"?>
+<p:sld xmlns:a="http://schemas.openxmlformats.org/drawingml/2006/main" xmlns:r="http://schemas.openxmlformats.org/officeDocument/2006/relationships" xmlns:p="http://schemas.openxmlformats.org/presentationml/2006/main">
+  <p:cSld>
+    <p:spTree>
+      <p:nvGrpSpPr>
+        <p:cNvPr id="1" name=""/>
+        <p:cNvGrpSpPr/>
+        <p:nvPr/>
+      </p:nvGrpSpPr>
+      <p:grpSpPr>
+        <a:xfrm>
+          <a:off x="0" y="0"/>
+          <a:ext cx="0" cy="0"/>
+          <a:chOff x="0" y="0"/>
+          <a:chExt cx="0" cy="0"/>
+        </a:xfrm>
+      </p:grpSpPr>
+      <p:sp>
+        <p:nvSpPr>
+          <p:cNvPr id="2" name="Заголовок 1"/>
+          <p:cNvSpPr>
+            <a:spLocks noGrp="1"/>
+          </p:cNvSpPr>
+          <p:nvPr>
+            <p:ph type="title"/>
           </p:nvPr>
         </p:nvSpPr>
         <p:spPr/>
@@ -3291,13 +3374,364 @@
           <a:lstStyle/>
           <a:p>
             <a:r>
+              <a:rPr lang="ru-RU" dirty="0"/>
+              <a:t>Описание программного </a:t>
+            </a:r>
+            <a:r>
               <a:rPr lang="ru-RU" dirty="0" smtClean="0"/>
-              <a:t>Взять с курсовой</a:t>
+              <a:t>модуля</a:t>
             </a:r>
             <a:endParaRPr lang="ru-RU" dirty="0"/>
           </a:p>
         </p:txBody>
       </p:sp>
+      <p:sp>
+        <p:nvSpPr>
+          <p:cNvPr id="3" name="Объект 2"/>
+          <p:cNvSpPr>
+            <a:spLocks noGrp="1"/>
+          </p:cNvSpPr>
+          <p:nvPr>
+            <p:ph idx="1"/>
+          </p:nvPr>
+        </p:nvSpPr>
+        <p:spPr/>
+        <p:txBody>
+          <a:bodyPr/>
+          <a:lstStyle/>
+          <a:p>
+            <a:pPr marL="0" indent="0">
+              <a:buNone/>
+            </a:pPr>
+            <a:r>
+              <a:rPr lang="ru-RU" dirty="0" smtClean="0"/>
+              <a:t>Программа написана на языке </a:t>
+            </a:r>
+            <a:r>
+              <a:rPr lang="en-US" dirty="0" smtClean="0"/>
+              <a:t>C, </a:t>
+            </a:r>
+            <a:r>
+              <a:rPr lang="ru-RU" dirty="0" smtClean="0"/>
+              <a:t>и использует</a:t>
+            </a:r>
+            <a:r>
+              <a:rPr lang="en-US" dirty="0" smtClean="0"/>
+              <a:t>:</a:t>
+            </a:r>
+          </a:p>
+          <a:p>
+            <a:r>
+              <a:rPr lang="en-US" dirty="0" smtClean="0"/>
+              <a:t>GNU </a:t>
+            </a:r>
+            <a:r>
+              <a:rPr lang="en-US" dirty="0" err="1" smtClean="0"/>
+              <a:t>GSL</a:t>
+            </a:r>
+            <a:endParaRPr lang="en-US" dirty="0" smtClean="0"/>
+          </a:p>
+          <a:p>
+            <a:r>
+              <a:rPr lang="en-US" dirty="0" err="1" smtClean="0"/>
+              <a:t>FFTW</a:t>
+            </a:r>
+            <a:endParaRPr lang="en-US" dirty="0" smtClean="0"/>
+          </a:p>
+          <a:p>
+            <a:endParaRPr lang="en-US" dirty="0"/>
+          </a:p>
+          <a:p>
+            <a:pPr marL="0" indent="0">
+              <a:buNone/>
+            </a:pPr>
+            <a:r>
+              <a:rPr lang="ru-RU" dirty="0" smtClean="0"/>
+              <a:t>+ </a:t>
+            </a:r>
+            <a:r>
+              <a:rPr lang="en-US" dirty="0" smtClean="0"/>
+              <a:t>Maple</a:t>
+            </a:r>
+          </a:p>
+          <a:p>
+            <a:endParaRPr lang="ru-RU" dirty="0" smtClean="0"/>
+          </a:p>
+        </p:txBody>
+      </p:sp>
+    </p:spTree>
+    <p:extLst>
+      <p:ext uri="{BB962C8B-B14F-4D97-AF65-F5344CB8AC3E}">
+        <p14:creationId xmlns:p14="http://schemas.microsoft.com/office/powerpoint/2010/main" val="1118465761"/>
+      </p:ext>
+    </p:extLst>
+  </p:cSld>
+  <p:clrMapOvr>
+    <a:masterClrMapping/>
+  </p:clrMapOvr>
+  <p:timing>
+    <p:tnLst>
+      <p:par>
+        <p:cTn id="1" dur="indefinite" restart="never" nodeType="tmRoot"/>
+      </p:par>
+    </p:tnLst>
+  </p:timing>
+</p:sld>
+</file>
+
+<file path=ppt/slides/slide14.xml><?xml version="1.0" encoding="utf-8"?>
+<p:sld xmlns:a="http://schemas.openxmlformats.org/drawingml/2006/main" xmlns:r="http://schemas.openxmlformats.org/officeDocument/2006/relationships" xmlns:p="http://schemas.openxmlformats.org/presentationml/2006/main">
+  <p:cSld>
+    <p:spTree>
+      <p:nvGrpSpPr>
+        <p:cNvPr id="1" name=""/>
+        <p:cNvGrpSpPr/>
+        <p:nvPr/>
+      </p:nvGrpSpPr>
+      <p:grpSpPr>
+        <a:xfrm>
+          <a:off x="0" y="0"/>
+          <a:ext cx="0" cy="0"/>
+          <a:chOff x="0" y="0"/>
+          <a:chExt cx="0" cy="0"/>
+        </a:xfrm>
+      </p:grpSpPr>
+      <p:sp>
+        <p:nvSpPr>
+          <p:cNvPr id="2" name="Заголовок 1"/>
+          <p:cNvSpPr>
+            <a:spLocks noGrp="1"/>
+          </p:cNvSpPr>
+          <p:nvPr>
+            <p:ph type="title"/>
+          </p:nvPr>
+        </p:nvSpPr>
+        <p:spPr/>
+        <p:txBody>
+          <a:bodyPr/>
+          <a:lstStyle/>
+          <a:p>
+            <a:r>
+              <a:rPr lang="ru-RU" dirty="0" smtClean="0"/>
+              <a:t>Численное решение</a:t>
+            </a:r>
+            <a:endParaRPr lang="ru-RU" dirty="0"/>
+          </a:p>
+        </p:txBody>
+      </p:sp>
+      <p:pic>
+        <p:nvPicPr>
+          <p:cNvPr id="4" name="Объект 3"/>
+          <p:cNvPicPr>
+            <a:picLocks noGrp="1" noChangeAspect="1"/>
+          </p:cNvPicPr>
+          <p:nvPr>
+            <p:ph idx="1"/>
+          </p:nvPr>
+        </p:nvPicPr>
+        <p:blipFill>
+          <a:blip r:embed="rId2">
+            <a:extLst>
+              <a:ext uri="{28A0092B-C50C-407E-A947-70E740481C1C}">
+                <a14:useLocalDpi xmlns:a14="http://schemas.microsoft.com/office/drawing/2010/main" val="0"/>
+              </a:ext>
+            </a:extLst>
+          </a:blip>
+          <a:stretch>
+            <a:fillRect/>
+          </a:stretch>
+        </p:blipFill>
+        <p:spPr>
+          <a:xfrm>
+            <a:off x="1734552" y="1690688"/>
+            <a:ext cx="8722895" cy="4782586"/>
+          </a:xfrm>
+        </p:spPr>
+      </p:pic>
+    </p:spTree>
+    <p:extLst>
+      <p:ext uri="{BB962C8B-B14F-4D97-AF65-F5344CB8AC3E}">
+        <p14:creationId xmlns:p14="http://schemas.microsoft.com/office/powerpoint/2010/main" val="372938844"/>
+      </p:ext>
+    </p:extLst>
+  </p:cSld>
+  <p:clrMapOvr>
+    <a:masterClrMapping/>
+  </p:clrMapOvr>
+</p:sld>
+</file>
+
+<file path=ppt/slides/slide15.xml><?xml version="1.0" encoding="utf-8"?>
+<p:sld xmlns:a="http://schemas.openxmlformats.org/drawingml/2006/main" xmlns:r="http://schemas.openxmlformats.org/officeDocument/2006/relationships" xmlns:p="http://schemas.openxmlformats.org/presentationml/2006/main">
+  <p:cSld>
+    <p:spTree>
+      <p:nvGrpSpPr>
+        <p:cNvPr id="1" name=""/>
+        <p:cNvGrpSpPr/>
+        <p:nvPr/>
+      </p:nvGrpSpPr>
+      <p:grpSpPr>
+        <a:xfrm>
+          <a:off x="0" y="0"/>
+          <a:ext cx="0" cy="0"/>
+          <a:chOff x="0" y="0"/>
+          <a:chExt cx="0" cy="0"/>
+        </a:xfrm>
+      </p:grpSpPr>
+      <p:sp>
+        <p:nvSpPr>
+          <p:cNvPr id="2" name="Заголовок 1"/>
+          <p:cNvSpPr>
+            <a:spLocks noGrp="1"/>
+          </p:cNvSpPr>
+          <p:nvPr>
+            <p:ph type="title"/>
+          </p:nvPr>
+        </p:nvSpPr>
+        <p:spPr/>
+        <p:txBody>
+          <a:bodyPr/>
+          <a:lstStyle/>
+          <a:p>
+            <a:r>
+              <a:rPr lang="ru-RU" dirty="0" smtClean="0"/>
+              <a:t>Заключение</a:t>
+            </a:r>
+            <a:endParaRPr lang="ru-RU" dirty="0"/>
+          </a:p>
+        </p:txBody>
+      </p:sp>
+      <p:sp>
+        <p:nvSpPr>
+          <p:cNvPr id="3" name="Объект 2"/>
+          <p:cNvSpPr>
+            <a:spLocks noGrp="1"/>
+          </p:cNvSpPr>
+          <p:nvPr>
+            <p:ph idx="1"/>
+          </p:nvPr>
+        </p:nvSpPr>
+        <p:spPr/>
+        <p:txBody>
+          <a:bodyPr/>
+          <a:lstStyle/>
+          <a:p>
+            <a:pPr marL="0" indent="0">
+              <a:buNone/>
+            </a:pPr>
+            <a:r>
+              <a:rPr lang="ru-RU" dirty="0" smtClean="0"/>
+              <a:t>Необходимо еще сделать</a:t>
+            </a:r>
+          </a:p>
+          <a:p>
+            <a:r>
+              <a:rPr lang="ru-RU" dirty="0" smtClean="0"/>
+              <a:t>Построить хорошие графики для аналитического решения</a:t>
+            </a:r>
+          </a:p>
+          <a:p>
+            <a:r>
+              <a:rPr lang="ru-RU" dirty="0" smtClean="0"/>
+              <a:t>Сравнить полученный результаты</a:t>
+            </a:r>
+          </a:p>
+          <a:p>
+            <a:r>
+              <a:rPr lang="ru-RU" dirty="0" smtClean="0"/>
+              <a:t>Рассмотреть случай сливающихся перевальный точек</a:t>
+            </a:r>
+          </a:p>
+          <a:p>
+            <a:endParaRPr lang="ru-RU" dirty="0"/>
+          </a:p>
+        </p:txBody>
+      </p:sp>
+    </p:spTree>
+    <p:extLst>
+      <p:ext uri="{BB962C8B-B14F-4D97-AF65-F5344CB8AC3E}">
+        <p14:creationId xmlns:p14="http://schemas.microsoft.com/office/powerpoint/2010/main" val="3883134038"/>
+      </p:ext>
+    </p:extLst>
+  </p:cSld>
+  <p:clrMapOvr>
+    <a:masterClrMapping/>
+  </p:clrMapOvr>
+  <p:timing>
+    <p:tnLst>
+      <p:par>
+        <p:cTn id="1" dur="indefinite" restart="never" nodeType="tmRoot"/>
+      </p:par>
+    </p:tnLst>
+  </p:timing>
+</p:sld>
+</file>
+
+<file path=ppt/slides/slide16.xml><?xml version="1.0" encoding="utf-8"?>
+<p:sld xmlns:a="http://schemas.openxmlformats.org/drawingml/2006/main" xmlns:r="http://schemas.openxmlformats.org/officeDocument/2006/relationships" xmlns:p="http://schemas.openxmlformats.org/presentationml/2006/main">
+  <p:cSld>
+    <p:spTree>
+      <p:nvGrpSpPr>
+        <p:cNvPr id="1" name=""/>
+        <p:cNvGrpSpPr/>
+        <p:nvPr/>
+      </p:nvGrpSpPr>
+      <p:grpSpPr>
+        <a:xfrm>
+          <a:off x="0" y="0"/>
+          <a:ext cx="0" cy="0"/>
+          <a:chOff x="0" y="0"/>
+          <a:chExt cx="0" cy="0"/>
+        </a:xfrm>
+      </p:grpSpPr>
+      <p:sp>
+        <p:nvSpPr>
+          <p:cNvPr id="2" name="Заголовок 1"/>
+          <p:cNvSpPr>
+            <a:spLocks noGrp="1"/>
+          </p:cNvSpPr>
+          <p:nvPr>
+            <p:ph type="title"/>
+          </p:nvPr>
+        </p:nvSpPr>
+        <p:spPr/>
+        <p:txBody>
+          <a:bodyPr/>
+          <a:lstStyle/>
+          <a:p>
+            <a:endParaRPr lang="ru-RU" dirty="0"/>
+          </a:p>
+        </p:txBody>
+      </p:sp>
+      <p:pic>
+        <p:nvPicPr>
+          <p:cNvPr id="4" name="Объект 3"/>
+          <p:cNvPicPr>
+            <a:picLocks noGrp="1" noChangeAspect="1"/>
+          </p:cNvPicPr>
+          <p:nvPr>
+            <p:ph idx="1"/>
+          </p:nvPr>
+        </p:nvPicPr>
+        <p:blipFill>
+          <a:blip r:embed="rId2">
+            <a:extLst>
+              <a:ext uri="{28A0092B-C50C-407E-A947-70E740481C1C}">
+                <a14:useLocalDpi xmlns:a14="http://schemas.microsoft.com/office/drawing/2010/main" val="0"/>
+              </a:ext>
+            </a:extLst>
+          </a:blip>
+          <a:stretch>
+            <a:fillRect/>
+          </a:stretch>
+        </p:blipFill>
+        <p:spPr>
+          <a:xfrm>
+            <a:off x="838200" y="894515"/>
+            <a:ext cx="10515600" cy="4928770"/>
+          </a:xfrm>
+        </p:spPr>
+      </p:pic>
     </p:spTree>
     <p:extLst>
       <p:ext uri="{BB962C8B-B14F-4D97-AF65-F5344CB8AC3E}">
@@ -3308,6 +3742,13 @@
   <p:clrMapOvr>
     <a:masterClrMapping/>
   </p:clrMapOvr>
+  <p:timing>
+    <p:tnLst>
+      <p:par>
+        <p:cTn id="1" dur="indefinite" restart="never" nodeType="tmRoot"/>
+      </p:par>
+    </p:tnLst>
+  </p:timing>
 </p:sld>
 </file>
 
@@ -3345,15 +3786,7 @@
           <a:p>
             <a:r>
               <a:rPr lang="ru-RU" dirty="0" smtClean="0"/>
-              <a:t>Структура </a:t>
-            </a:r>
-            <a:r>
-              <a:rPr lang="ru-RU" dirty="0" smtClean="0"/>
-              <a:t>работы (</a:t>
-            </a:r>
-            <a:r>
-              <a:rPr lang="ru-RU" smtClean="0"/>
-              <a:t>по примеру)</a:t>
+              <a:t>Содержание</a:t>
             </a:r>
             <a:endParaRPr lang="ru-RU" dirty="0"/>
           </a:p>
@@ -3378,49 +3811,45 @@
           <a:p>
             <a:r>
               <a:rPr lang="ru-RU" dirty="0" smtClean="0"/>
-              <a:t>Литературный </a:t>
+              <a:t>Постановка </a:t>
             </a:r>
             <a:r>
               <a:rPr lang="ru-RU" dirty="0" smtClean="0"/>
-              <a:t>обзор </a:t>
-            </a:r>
-          </a:p>
-          <a:p>
+              <a:t>задачи</a:t>
+            </a:r>
+          </a:p>
+          <a:p>
+            <a:r>
+              <a:rPr lang="ru-RU" dirty="0"/>
+              <a:t>Способы </a:t>
+            </a:r>
             <a:r>
               <a:rPr lang="ru-RU" dirty="0" smtClean="0"/>
-              <a:t>Постановка </a:t>
-            </a:r>
+              <a:t>решения</a:t>
+            </a:r>
+            <a:endParaRPr lang="ru-RU" dirty="0" smtClean="0"/>
+          </a:p>
+          <a:p>
             <a:r>
               <a:rPr lang="ru-RU" dirty="0" smtClean="0"/>
-              <a:t>задач</a:t>
-            </a:r>
-          </a:p>
-          <a:p>
+              <a:t>Метод </a:t>
+            </a:r>
             <a:r>
               <a:rPr lang="ru-RU" dirty="0" smtClean="0"/>
-              <a:t>Обсуждение и реализация алгоритма</a:t>
-            </a:r>
-          </a:p>
-          <a:p>
-            <a:r>
-              <a:rPr lang="ru-RU" dirty="0" smtClean="0"/>
-              <a:t>Описание программного модуля(среда, язык, )</a:t>
-            </a:r>
-          </a:p>
-          <a:p>
-            <a:r>
-              <a:rPr lang="ru-RU" dirty="0" smtClean="0"/>
-              <a:t>Обсуждение результатов моделирования</a:t>
-            </a:r>
-          </a:p>
-          <a:p>
-            <a:r>
-              <a:rPr lang="ru-RU" dirty="0" smtClean="0"/>
-              <a:t>Заключение (выводы</a:t>
-            </a:r>
-            <a:r>
-              <a:rPr lang="ru-RU" dirty="0" smtClean="0"/>
-              <a:t>)</a:t>
+              <a:t>Перевала</a:t>
+            </a:r>
+          </a:p>
+          <a:p>
+            <a:r>
+              <a:rPr lang="ru-RU" dirty="0"/>
+              <a:t>Аналитическое решение</a:t>
+            </a:r>
+            <a:endParaRPr lang="ru-RU" dirty="0" smtClean="0"/>
+          </a:p>
+          <a:p>
+            <a:r>
+              <a:rPr lang="ru-RU" dirty="0"/>
+              <a:t>Численное решение</a:t>
             </a:r>
             <a:endParaRPr lang="ru-RU" dirty="0" smtClean="0"/>
           </a:p>
@@ -3436,6 +3865,13 @@
   <p:clrMapOvr>
     <a:masterClrMapping/>
   </p:clrMapOvr>
+  <p:timing>
+    <p:tnLst>
+      <p:par>
+        <p:cTn id="1" dur="indefinite" restart="never" nodeType="tmRoot"/>
+      </p:par>
+    </p:tnLst>
+  </p:timing>
 </p:sld>
 </file>
 
@@ -3472,12 +3908,8 @@
           <a:lstStyle/>
           <a:p>
             <a:r>
-              <a:rPr lang="ru-RU" dirty="0"/>
-              <a:t>Литературный </a:t>
-            </a:r>
-            <a:r>
               <a:rPr lang="ru-RU" dirty="0" smtClean="0"/>
-              <a:t>обзор</a:t>
+              <a:t>Постановка задач</a:t>
             </a:r>
             <a:endParaRPr lang="ru-RU" dirty="0"/>
           </a:p>
@@ -3499,26 +3931,370 @@
           <a:lstStyle/>
           <a:p>
             <a:r>
+              <a:rPr lang="ru-RU" dirty="0"/>
+              <a:t>В квантовой механике одноэлектронная математическая модель атома, подверженного </a:t>
+            </a:r>
+            <a:r>
               <a:rPr lang="ru-RU" dirty="0" smtClean="0"/>
-              <a:t>Здесь указывается литература, в которой проблема возникает</a:t>
-            </a:r>
-            <a:endParaRPr lang="ru-RU" dirty="0"/>
-          </a:p>
-          <a:p>
-            <a:endParaRPr lang="ru-RU" dirty="0"/>
-          </a:p>
-        </p:txBody>
-      </p:sp>
+              <a:t>воздействию лазерного </a:t>
+            </a:r>
+            <a:r>
+              <a:rPr lang="ru-RU" dirty="0"/>
+              <a:t>импульса, описывается нестационарным уравнением Шредингера для электронной волновой функции</a:t>
+            </a:r>
+          </a:p>
+        </p:txBody>
+      </p:sp>
+      <mc:AlternateContent xmlns:mc="http://schemas.openxmlformats.org/markup-compatibility/2006" xmlns:a14="http://schemas.microsoft.com/office/drawing/2010/main">
+        <mc:Choice Requires="a14">
+          <p:sp>
+            <p:nvSpPr>
+              <p:cNvPr id="4" name="TextBox 3"/>
+              <p:cNvSpPr txBox="1"/>
+              <p:nvPr/>
+            </p:nvSpPr>
+            <p:spPr>
+              <a:xfrm>
+                <a:off x="838200" y="3445725"/>
+                <a:ext cx="8574505" cy="1111138"/>
+              </a:xfrm>
+              <a:prstGeom prst="rect">
+                <a:avLst/>
+              </a:prstGeom>
+              <a:noFill/>
+            </p:spPr>
+            <p:txBody>
+              <a:bodyPr wrap="square" lIns="0" tIns="0" rIns="0" bIns="0" rtlCol="0">
+                <a:spAutoFit/>
+              </a:bodyPr>
+              <a:lstStyle/>
+              <a:p>
+                <a:pPr/>
+                <a14:m>
+                  <m:oMathPara xmlns:m="http://schemas.openxmlformats.org/officeDocument/2006/math">
+                    <m:oMathParaPr>
+                      <m:jc m:val="centerGroup"/>
+                    </m:oMathParaPr>
+                    <m:oMath xmlns:m="http://schemas.openxmlformats.org/officeDocument/2006/math">
+                      <m:d>
+                        <m:dPr>
+                          <m:begChr m:val="["/>
+                          <m:endChr m:val="]"/>
+                          <m:ctrlPr>
+                            <a:rPr lang="en-US" sz="3200" b="0" i="1" smtClean="0">
+                              <a:latin typeface="Cambria Math" panose="02040503050406030204" pitchFamily="18" charset="0"/>
+                            </a:rPr>
+                          </m:ctrlPr>
+                        </m:dPr>
+                        <m:e>
+                          <m:r>
+                            <a:rPr lang="en-US" sz="3200" b="0" i="1" smtClean="0">
+                              <a:latin typeface="Cambria Math" panose="02040503050406030204" pitchFamily="18" charset="0"/>
+                            </a:rPr>
+                            <m:t>𝑖h</m:t>
+                          </m:r>
+                          <m:f>
+                            <m:fPr>
+                              <m:ctrlPr>
+                                <a:rPr lang="en-US" sz="3200" b="0" i="1" smtClean="0">
+                                  <a:latin typeface="Cambria Math" panose="02040503050406030204" pitchFamily="18" charset="0"/>
+                                </a:rPr>
+                              </m:ctrlPr>
+                            </m:fPr>
+                            <m:num>
+                              <m:r>
+                                <a:rPr lang="en-US" sz="3200" b="0" i="1" smtClean="0">
+                                  <a:latin typeface="Cambria Math" panose="02040503050406030204" pitchFamily="18" charset="0"/>
+                                  <a:ea typeface="Cambria Math" panose="02040503050406030204" pitchFamily="18" charset="0"/>
+                                </a:rPr>
+                                <m:t>𝜕</m:t>
+                              </m:r>
+                            </m:num>
+                            <m:den>
+                              <m:r>
+                                <a:rPr lang="en-US" sz="3200" b="0" i="1" smtClean="0">
+                                  <a:latin typeface="Cambria Math" panose="02040503050406030204" pitchFamily="18" charset="0"/>
+                                  <a:ea typeface="Cambria Math" panose="02040503050406030204" pitchFamily="18" charset="0"/>
+                                </a:rPr>
+                                <m:t>𝜕</m:t>
+                              </m:r>
+                              <m:r>
+                                <a:rPr lang="en-US" sz="3200" b="0" i="1" smtClean="0">
+                                  <a:latin typeface="Cambria Math" panose="02040503050406030204" pitchFamily="18" charset="0"/>
+                                  <a:ea typeface="Cambria Math" panose="02040503050406030204" pitchFamily="18" charset="0"/>
+                                </a:rPr>
+                                <m:t>𝑡</m:t>
+                              </m:r>
+                            </m:den>
+                          </m:f>
+                          <m:r>
+                            <a:rPr lang="en-US" sz="3200" b="0" i="1" smtClean="0">
+                              <a:latin typeface="Cambria Math" panose="02040503050406030204" pitchFamily="18" charset="0"/>
+                            </a:rPr>
+                            <m:t>+</m:t>
+                          </m:r>
+                          <m:f>
+                            <m:fPr>
+                              <m:ctrlPr>
+                                <a:rPr lang="en-US" sz="3200" b="0" i="1" smtClean="0">
+                                  <a:latin typeface="Cambria Math" panose="02040503050406030204" pitchFamily="18" charset="0"/>
+                                </a:rPr>
+                              </m:ctrlPr>
+                            </m:fPr>
+                            <m:num>
+                              <m:sSup>
+                                <m:sSupPr>
+                                  <m:ctrlPr>
+                                    <a:rPr lang="en-US" sz="3200" b="0" i="1" smtClean="0">
+                                      <a:latin typeface="Cambria Math" panose="02040503050406030204" pitchFamily="18" charset="0"/>
+                                    </a:rPr>
+                                  </m:ctrlPr>
+                                </m:sSupPr>
+                                <m:e>
+                                  <m:r>
+                                    <a:rPr lang="en-US" sz="3200" b="0" i="1" smtClean="0">
+                                      <a:latin typeface="Cambria Math" panose="02040503050406030204" pitchFamily="18" charset="0"/>
+                                    </a:rPr>
+                                    <m:t>h</m:t>
+                                  </m:r>
+                                </m:e>
+                                <m:sup>
+                                  <m:r>
+                                    <a:rPr lang="en-US" sz="3200" b="0" i="1" smtClean="0">
+                                      <a:latin typeface="Cambria Math" panose="02040503050406030204" pitchFamily="18" charset="0"/>
+                                    </a:rPr>
+                                    <m:t>2</m:t>
+                                  </m:r>
+                                </m:sup>
+                              </m:sSup>
+                            </m:num>
+                            <m:den>
+                              <m:r>
+                                <a:rPr lang="en-US" sz="3200" b="0" i="1" smtClean="0">
+                                  <a:latin typeface="Cambria Math" panose="02040503050406030204" pitchFamily="18" charset="0"/>
+                                </a:rPr>
+                                <m:t>2</m:t>
+                              </m:r>
+                              <m:r>
+                                <a:rPr lang="en-US" sz="3200" b="0" i="1" smtClean="0">
+                                  <a:latin typeface="Cambria Math" panose="02040503050406030204" pitchFamily="18" charset="0"/>
+                                </a:rPr>
+                                <m:t>𝑚</m:t>
+                              </m:r>
+                            </m:den>
+                          </m:f>
+                          <m:sSup>
+                            <m:sSupPr>
+                              <m:ctrlPr>
+                                <a:rPr lang="en-US" sz="3200" b="0" i="1" smtClean="0">
+                                  <a:latin typeface="Cambria Math" panose="02040503050406030204" pitchFamily="18" charset="0"/>
+                                </a:rPr>
+                              </m:ctrlPr>
+                            </m:sSupPr>
+                            <m:e>
+                              <m:r>
+                                <a:rPr lang="en-US" sz="3200" b="0" i="1" smtClean="0">
+                                  <a:latin typeface="Cambria Math" panose="02040503050406030204" pitchFamily="18" charset="0"/>
+                                  <a:ea typeface="Cambria Math" panose="02040503050406030204" pitchFamily="18" charset="0"/>
+                                </a:rPr>
+                                <m:t>𝛻</m:t>
+                              </m:r>
+                            </m:e>
+                            <m:sup>
+                              <m:r>
+                                <a:rPr lang="en-US" sz="3200" b="0" i="1" smtClean="0">
+                                  <a:latin typeface="Cambria Math" panose="02040503050406030204" pitchFamily="18" charset="0"/>
+                                </a:rPr>
+                                <m:t>2</m:t>
+                              </m:r>
+                            </m:sup>
+                          </m:sSup>
+                          <m:r>
+                            <a:rPr lang="en-US" sz="3200" b="0" i="1" smtClean="0">
+                              <a:latin typeface="Cambria Math" panose="02040503050406030204" pitchFamily="18" charset="0"/>
+                            </a:rPr>
+                            <m:t>−</m:t>
+                          </m:r>
+                          <m:r>
+                            <a:rPr lang="en-US" sz="3200" b="0" i="1" smtClean="0">
+                              <a:latin typeface="Cambria Math" panose="02040503050406030204" pitchFamily="18" charset="0"/>
+                            </a:rPr>
+                            <m:t>𝑈</m:t>
+                          </m:r>
+                          <m:d>
+                            <m:dPr>
+                              <m:ctrlPr>
+                                <a:rPr lang="en-US" sz="3200" b="0" i="1" smtClean="0">
+                                  <a:latin typeface="Cambria Math" panose="02040503050406030204" pitchFamily="18" charset="0"/>
+                                </a:rPr>
+                              </m:ctrlPr>
+                            </m:dPr>
+                            <m:e>
+                              <m:r>
+                                <a:rPr lang="en-US" sz="3200" b="0" i="1" smtClean="0">
+                                  <a:latin typeface="Cambria Math" panose="02040503050406030204" pitchFamily="18" charset="0"/>
+                                </a:rPr>
+                                <m:t>𝑟</m:t>
+                              </m:r>
+                            </m:e>
+                          </m:d>
+                          <m:r>
+                            <a:rPr lang="en-US" sz="3200" b="0" i="1" smtClean="0">
+                              <a:latin typeface="Cambria Math" panose="02040503050406030204" pitchFamily="18" charset="0"/>
+                            </a:rPr>
+                            <m:t>−</m:t>
+                          </m:r>
+                          <m:r>
+                            <a:rPr lang="en-US" sz="3200" b="0" i="1" smtClean="0">
+                              <a:latin typeface="Cambria Math" panose="02040503050406030204" pitchFamily="18" charset="0"/>
+                            </a:rPr>
+                            <m:t>𝑉</m:t>
+                          </m:r>
+                          <m:d>
+                            <m:dPr>
+                              <m:ctrlPr>
+                                <a:rPr lang="en-US" sz="3200" b="0" i="1" smtClean="0">
+                                  <a:latin typeface="Cambria Math" panose="02040503050406030204" pitchFamily="18" charset="0"/>
+                                </a:rPr>
+                              </m:ctrlPr>
+                            </m:dPr>
+                            <m:e>
+                              <m:r>
+                                <a:rPr lang="en-US" sz="3200" b="1" i="1" smtClean="0">
+                                  <a:latin typeface="Cambria Math" panose="02040503050406030204" pitchFamily="18" charset="0"/>
+                                </a:rPr>
+                                <m:t>𝒓</m:t>
+                              </m:r>
+                              <m:r>
+                                <a:rPr lang="en-US" sz="3200" b="0" i="1" smtClean="0">
+                                  <a:latin typeface="Cambria Math" panose="02040503050406030204" pitchFamily="18" charset="0"/>
+                                </a:rPr>
+                                <m:t>,</m:t>
+                              </m:r>
+                              <m:r>
+                                <a:rPr lang="en-US" sz="3200" b="0" i="1" smtClean="0">
+                                  <a:latin typeface="Cambria Math" panose="02040503050406030204" pitchFamily="18" charset="0"/>
+                                </a:rPr>
+                                <m:t>𝑡</m:t>
+                              </m:r>
+                            </m:e>
+                          </m:d>
+                        </m:e>
+                      </m:d>
+                      <m:r>
+                        <m:rPr>
+                          <m:sty m:val="p"/>
+                        </m:rPr>
+                        <a:rPr lang="el-GR" sz="3200" b="0" i="1" smtClean="0">
+                          <a:latin typeface="Cambria Math" panose="02040503050406030204" pitchFamily="18" charset="0"/>
+                          <a:ea typeface="Cambria Math" panose="02040503050406030204" pitchFamily="18" charset="0"/>
+                        </a:rPr>
+                        <m:t>Ψ</m:t>
+                      </m:r>
+                      <m:d>
+                        <m:dPr>
+                          <m:ctrlPr>
+                            <a:rPr lang="en-US" sz="3200" b="0" i="1" smtClean="0">
+                              <a:latin typeface="Cambria Math" panose="02040503050406030204" pitchFamily="18" charset="0"/>
+                              <a:ea typeface="Cambria Math" panose="02040503050406030204" pitchFamily="18" charset="0"/>
+                            </a:rPr>
+                          </m:ctrlPr>
+                        </m:dPr>
+                        <m:e>
+                          <m:r>
+                            <a:rPr lang="en-US" sz="3200" b="1" i="1" smtClean="0">
+                              <a:latin typeface="Cambria Math" panose="02040503050406030204" pitchFamily="18" charset="0"/>
+                              <a:ea typeface="Cambria Math" panose="02040503050406030204" pitchFamily="18" charset="0"/>
+                            </a:rPr>
+                            <m:t>𝒓</m:t>
+                          </m:r>
+                          <m:r>
+                            <a:rPr lang="en-US" sz="3200" b="0" i="1" smtClean="0">
+                              <a:latin typeface="Cambria Math" panose="02040503050406030204" pitchFamily="18" charset="0"/>
+                              <a:ea typeface="Cambria Math" panose="02040503050406030204" pitchFamily="18" charset="0"/>
+                            </a:rPr>
+                            <m:t>,</m:t>
+                          </m:r>
+                          <m:r>
+                            <a:rPr lang="en-US" sz="3200" b="0" i="1" smtClean="0">
+                              <a:latin typeface="Cambria Math" panose="02040503050406030204" pitchFamily="18" charset="0"/>
+                              <a:ea typeface="Cambria Math" panose="02040503050406030204" pitchFamily="18" charset="0"/>
+                            </a:rPr>
+                            <m:t>𝑡</m:t>
+                          </m:r>
+                        </m:e>
+                      </m:d>
+                      <m:r>
+                        <a:rPr lang="en-US" sz="3200" b="0" i="1" smtClean="0">
+                          <a:latin typeface="Cambria Math" panose="02040503050406030204" pitchFamily="18" charset="0"/>
+                          <a:ea typeface="Cambria Math" panose="02040503050406030204" pitchFamily="18" charset="0"/>
+                        </a:rPr>
+                        <m:t>=0</m:t>
+                      </m:r>
+                    </m:oMath>
+                  </m:oMathPara>
+                </a14:m>
+                <a:endParaRPr lang="ru-RU" sz="3200" dirty="0"/>
+              </a:p>
+            </p:txBody>
+          </p:sp>
+        </mc:Choice>
+        <mc:Fallback xmlns="">
+          <p:sp>
+            <p:nvSpPr>
+              <p:cNvPr id="4" name="TextBox 3"/>
+              <p:cNvSpPr txBox="1">
+                <a:spLocks noRot="1" noChangeAspect="1" noMove="1" noResize="1" noEditPoints="1" noAdjustHandles="1" noChangeArrowheads="1" noChangeShapeType="1" noTextEdit="1"/>
+              </p:cNvSpPr>
+              <p:nvPr/>
+            </p:nvSpPr>
+            <p:spPr>
+              <a:xfrm>
+                <a:off x="838200" y="3445725"/>
+                <a:ext cx="8574505" cy="1111138"/>
+              </a:xfrm>
+              <a:prstGeom prst="rect">
+                <a:avLst/>
+              </a:prstGeom>
+              <a:blipFill>
+                <a:blip r:embed="rId2"/>
+                <a:stretch>
+                  <a:fillRect/>
+                </a:stretch>
+              </a:blipFill>
+            </p:spPr>
+            <p:txBody>
+              <a:bodyPr/>
+              <a:lstStyle/>
+              <a:p>
+                <a:r>
+                  <a:rPr lang="ru-RU">
+                    <a:noFill/>
+                  </a:rPr>
+                  <a:t> </a:t>
+                </a:r>
+              </a:p>
+            </p:txBody>
+          </p:sp>
+        </mc:Fallback>
+      </mc:AlternateContent>
     </p:spTree>
     <p:extLst>
       <p:ext uri="{BB962C8B-B14F-4D97-AF65-F5344CB8AC3E}">
-        <p14:creationId xmlns:p14="http://schemas.microsoft.com/office/powerpoint/2010/main" val="848173060"/>
+        <p14:creationId xmlns:p14="http://schemas.microsoft.com/office/powerpoint/2010/main" val="3240355782"/>
       </p:ext>
     </p:extLst>
   </p:cSld>
   <p:clrMapOvr>
     <a:masterClrMapping/>
   </p:clrMapOvr>
+  <p:timing>
+    <p:tnLst>
+      <p:par>
+        <p:cTn id="1" dur="indefinite" restart="never" nodeType="tmRoot"/>
+      </p:par>
+    </p:tnLst>
+  </p:timing>
 </p:sld>
 </file>
 
@@ -3556,192 +4332,83 @@
           <a:p>
             <a:r>
               <a:rPr lang="ru-RU" dirty="0" smtClean="0"/>
-              <a:t>Постановка </a:t>
-            </a:r>
-            <a:r>
-              <a:rPr lang="ru-RU" dirty="0" smtClean="0"/>
-              <a:t>задач</a:t>
+              <a:t>Постановка задачи</a:t>
             </a:r>
             <a:endParaRPr lang="ru-RU" dirty="0"/>
           </a:p>
         </p:txBody>
       </p:sp>
-      <p:sp>
-        <p:nvSpPr>
-          <p:cNvPr id="3" name="Объект 2"/>
-          <p:cNvSpPr>
-            <a:spLocks noGrp="1"/>
-          </p:cNvSpPr>
-          <p:nvPr>
-            <p:ph idx="1"/>
-          </p:nvPr>
-        </p:nvSpPr>
-        <p:spPr/>
-        <p:txBody>
-          <a:bodyPr/>
-          <a:lstStyle/>
-          <a:p>
-            <a:r>
-              <a:rPr lang="ru-RU" dirty="0" smtClean="0"/>
-              <a:t>Что-то что-то что-то…</a:t>
-            </a:r>
-            <a:endParaRPr lang="ru-RU" dirty="0"/>
-          </a:p>
-        </p:txBody>
-      </p:sp>
-    </p:spTree>
-    <p:extLst>
-      <p:ext uri="{BB962C8B-B14F-4D97-AF65-F5344CB8AC3E}">
-        <p14:creationId xmlns:p14="http://schemas.microsoft.com/office/powerpoint/2010/main" val="3240355782"/>
-      </p:ext>
-    </p:extLst>
-  </p:cSld>
-  <p:clrMapOvr>
-    <a:masterClrMapping/>
-  </p:clrMapOvr>
-</p:sld>
-</file>
-
-<file path=ppt/slides/slide5.xml><?xml version="1.0" encoding="utf-8"?>
-<p:sld xmlns:a="http://schemas.openxmlformats.org/drawingml/2006/main" xmlns:r="http://schemas.openxmlformats.org/officeDocument/2006/relationships" xmlns:p="http://schemas.openxmlformats.org/presentationml/2006/main">
-  <p:cSld>
-    <p:spTree>
-      <p:nvGrpSpPr>
-        <p:cNvPr id="1" name=""/>
-        <p:cNvGrpSpPr/>
-        <p:nvPr/>
-      </p:nvGrpSpPr>
-      <p:grpSpPr>
-        <a:xfrm>
-          <a:off x="0" y="0"/>
-          <a:ext cx="0" cy="0"/>
-          <a:chOff x="0" y="0"/>
-          <a:chExt cx="0" cy="0"/>
-        </a:xfrm>
-      </p:grpSpPr>
-      <p:sp>
-        <p:nvSpPr>
-          <p:cNvPr id="2" name="Заголовок 1"/>
-          <p:cNvSpPr>
-            <a:spLocks noGrp="1"/>
-          </p:cNvSpPr>
-          <p:nvPr>
-            <p:ph type="title"/>
-          </p:nvPr>
-        </p:nvSpPr>
-        <p:spPr/>
-        <p:txBody>
-          <a:bodyPr/>
-          <a:lstStyle/>
-          <a:p>
-            <a:r>
-              <a:rPr lang="ru-RU" dirty="0" smtClean="0"/>
-              <a:t>Постановка задачи</a:t>
-            </a:r>
-            <a:endParaRPr lang="ru-RU" dirty="0"/>
-          </a:p>
-        </p:txBody>
-      </p:sp>
-      <p:sp>
-        <p:nvSpPr>
-          <p:cNvPr id="3" name="Объект 2"/>
-          <p:cNvSpPr>
-            <a:spLocks noGrp="1"/>
-          </p:cNvSpPr>
-          <p:nvPr>
-            <p:ph idx="1"/>
-          </p:nvPr>
-        </p:nvSpPr>
-        <p:spPr/>
-        <p:txBody>
-          <a:bodyPr/>
-          <a:lstStyle/>
-          <a:p>
-            <a:r>
-              <a:rPr lang="ru-RU" dirty="0" smtClean="0"/>
-              <a:t>В итоге получаем уравнение</a:t>
-            </a:r>
-            <a:endParaRPr lang="ru-RU" dirty="0"/>
-          </a:p>
-        </p:txBody>
-      </p:sp>
-      <mc:AlternateContent xmlns:mc="http://schemas.openxmlformats.org/markup-compatibility/2006">
-        <mc:Choice xmlns:a14="http://schemas.microsoft.com/office/drawing/2010/main" Requires="a14">
+      <mc:AlternateContent xmlns:mc="http://schemas.openxmlformats.org/markup-compatibility/2006" xmlns:a14="http://schemas.microsoft.com/office/drawing/2010/main">
+        <mc:Choice Requires="a14">
           <p:sp>
             <p:nvSpPr>
-              <p:cNvPr id="4" name="TextBox 3"/>
-              <p:cNvSpPr txBox="1"/>
-              <p:nvPr/>
+              <p:cNvPr id="3" name="Объект 2"/>
+              <p:cNvSpPr>
+                <a:spLocks noGrp="1"/>
+              </p:cNvSpPr>
+              <p:nvPr>
+                <p:ph idx="1"/>
+              </p:nvPr>
             </p:nvSpPr>
             <p:spPr>
               <a:xfrm>
-                <a:off x="533400" y="4645931"/>
-                <a:ext cx="10820400" cy="1665969"/>
+                <a:off x="838200" y="1825625"/>
+                <a:ext cx="10515600" cy="4351338"/>
               </a:xfrm>
-              <a:prstGeom prst="rect">
-                <a:avLst/>
-              </a:prstGeom>
-              <a:noFill/>
             </p:spPr>
             <p:txBody>
-              <a:bodyPr wrap="square" lIns="0" tIns="0" rIns="0" bIns="0" rtlCol="0">
-                <a:spAutoFit/>
-              </a:bodyPr>
+              <a:bodyPr/>
               <a:lstStyle/>
               <a:p>
+                <a:r>
+                  <a:rPr lang="ru-RU" dirty="0" smtClean="0"/>
+                  <a:t>Уравнение принимает вид </a:t>
+                </a:r>
+                <a:endParaRPr lang="en-US" dirty="0" smtClean="0"/>
+              </a:p>
+              <a:p>
+                <a:pPr marL="0" indent="0">
+                  <a:buNone/>
+                </a:pPr>
                 <a14:m>
                   <m:oMathPara xmlns:m="http://schemas.openxmlformats.org/officeDocument/2006/math">
                     <m:oMathParaPr>
                       <m:jc m:val="centerGroup"/>
                     </m:oMathParaPr>
                     <m:oMath xmlns:m="http://schemas.openxmlformats.org/officeDocument/2006/math">
-                      <m:sSub>
-                        <m:sSubPr>
-                          <m:ctrlPr>
-                            <a:rPr lang="ru-RU" sz="3600" i="1" smtClean="0">
-                              <a:latin typeface="Cambria Math" panose="02040503050406030204" pitchFamily="18" charset="0"/>
-                            </a:rPr>
-                          </m:ctrlPr>
-                        </m:sSubPr>
-                        <m:e>
-                          <m:r>
-                            <a:rPr lang="en-US" sz="3600" b="0" i="1" smtClean="0">
-                              <a:latin typeface="Cambria Math" panose="02040503050406030204" pitchFamily="18" charset="0"/>
-                            </a:rPr>
-                            <m:t>𝑀</m:t>
-                          </m:r>
-                        </m:e>
-                        <m:sub>
-                          <m:r>
-                            <a:rPr lang="en-US" sz="3600" b="0" i="1" smtClean="0">
-                              <a:latin typeface="Cambria Math" panose="02040503050406030204" pitchFamily="18" charset="0"/>
-                            </a:rPr>
-                            <m:t>0</m:t>
-                          </m:r>
-                        </m:sub>
-                      </m:sSub>
+                      <m:r>
+                        <m:rPr>
+                          <m:sty m:val="p"/>
+                        </m:rPr>
+                        <a:rPr lang="el-GR" sz="3600" b="0" i="1" smtClean="0">
+                          <a:latin typeface="Cambria Math" panose="02040503050406030204" pitchFamily="18" charset="0"/>
+                          <a:ea typeface="Cambria Math" panose="02040503050406030204" pitchFamily="18" charset="0"/>
+                        </a:rPr>
+                        <m:t>Ψ</m:t>
+                      </m:r>
                       <m:d>
                         <m:dPr>
                           <m:ctrlPr>
                             <a:rPr lang="en-US" sz="3600" b="0" i="1" smtClean="0">
                               <a:latin typeface="Cambria Math" panose="02040503050406030204" pitchFamily="18" charset="0"/>
+                              <a:ea typeface="Cambria Math" panose="02040503050406030204" pitchFamily="18" charset="0"/>
                             </a:rPr>
                           </m:ctrlPr>
                         </m:dPr>
                         <m:e>
                           <m:r>
-                            <a:rPr lang="en-US" sz="3600" b="0" i="1" smtClean="0">
+                            <a:rPr lang="en-US" sz="3600" b="1" i="1" smtClean="0">
                               <a:latin typeface="Cambria Math" panose="02040503050406030204" pitchFamily="18" charset="0"/>
                               <a:ea typeface="Cambria Math" panose="02040503050406030204" pitchFamily="18" charset="0"/>
                             </a:rPr>
-                            <m:t>𝜀</m:t>
+                            <m:t>𝒓</m:t>
                           </m:r>
                           <m:r>
                             <a:rPr lang="en-US" sz="3600" b="0" i="1" smtClean="0">
                               <a:latin typeface="Cambria Math" panose="02040503050406030204" pitchFamily="18" charset="0"/>
                               <a:ea typeface="Cambria Math" panose="02040503050406030204" pitchFamily="18" charset="0"/>
                             </a:rPr>
-                            <m:t>, </m:t>
+                            <m:t>,</m:t>
                           </m:r>
                           <m:r>
                             <a:rPr lang="en-US" sz="3600" b="0" i="1" smtClean="0">
@@ -3759,11 +4426,407 @@
                         </a:rPr>
                         <m:t>=</m:t>
                       </m:r>
+                      <m:r>
+                        <a:rPr lang="ru-RU" sz="3600" b="0" i="1" smtClean="0">
+                          <a:latin typeface="Cambria Math" panose="02040503050406030204" pitchFamily="18" charset="0"/>
+                        </a:rPr>
+                        <m:t>−</m:t>
+                      </m:r>
+                      <m:f>
+                        <m:fPr>
+                          <m:ctrlPr>
+                            <a:rPr lang="ru-RU" sz="3600" b="0" i="1" smtClean="0">
+                              <a:latin typeface="Cambria Math" panose="02040503050406030204" pitchFamily="18" charset="0"/>
+                            </a:rPr>
+                          </m:ctrlPr>
+                        </m:fPr>
+                        <m:num>
+                          <m:r>
+                            <a:rPr lang="ru-RU" sz="3600" b="0" i="1" smtClean="0">
+                              <a:latin typeface="Cambria Math" panose="02040503050406030204" pitchFamily="18" charset="0"/>
+                            </a:rPr>
+                            <m:t>2</m:t>
+                          </m:r>
+                          <m:r>
+                            <a:rPr lang="ru-RU" sz="3600" b="0" i="1" smtClean="0">
+                              <a:latin typeface="Cambria Math" panose="02040503050406030204" pitchFamily="18" charset="0"/>
+                              <a:ea typeface="Cambria Math" panose="02040503050406030204" pitchFamily="18" charset="0"/>
+                            </a:rPr>
+                            <m:t>𝜋</m:t>
+                          </m:r>
+                          <m:sSup>
+                            <m:sSupPr>
+                              <m:ctrlPr>
+                                <a:rPr lang="ru-RU" sz="3600" b="0" i="1" smtClean="0">
+                                  <a:latin typeface="Cambria Math" panose="02040503050406030204" pitchFamily="18" charset="0"/>
+                                  <a:ea typeface="Cambria Math" panose="02040503050406030204" pitchFamily="18" charset="0"/>
+                                </a:rPr>
+                              </m:ctrlPr>
+                            </m:sSupPr>
+                            <m:e>
+                              <m:r>
+                                <a:rPr lang="en-US" sz="3600" b="0" i="1" smtClean="0">
+                                  <a:latin typeface="Cambria Math" panose="02040503050406030204" pitchFamily="18" charset="0"/>
+                                  <a:ea typeface="Cambria Math" panose="02040503050406030204" pitchFamily="18" charset="0"/>
+                                </a:rPr>
+                                <m:t>h</m:t>
+                              </m:r>
+                            </m:e>
+                            <m:sup>
+                              <m:r>
+                                <a:rPr lang="en-US" sz="3600" b="0" i="1" smtClean="0">
+                                  <a:latin typeface="Cambria Math" panose="02040503050406030204" pitchFamily="18" charset="0"/>
+                                  <a:ea typeface="Cambria Math" panose="02040503050406030204" pitchFamily="18" charset="0"/>
+                                </a:rPr>
+                                <m:t>2</m:t>
+                              </m:r>
+                            </m:sup>
+                          </m:sSup>
+                        </m:num>
+                        <m:den>
+                          <m:r>
+                            <a:rPr lang="en-US" sz="3600" b="0" i="1" smtClean="0">
+                              <a:latin typeface="Cambria Math" panose="02040503050406030204" pitchFamily="18" charset="0"/>
+                            </a:rPr>
+                            <m:t>𝑚𝑘</m:t>
+                          </m:r>
+                        </m:den>
+                      </m:f>
+                      <m:nary>
+                        <m:naryPr>
+                          <m:limLoc m:val="undOvr"/>
+                          <m:ctrlPr>
+                            <a:rPr lang="ru-RU" sz="3600" b="0" i="1" smtClean="0">
+                              <a:latin typeface="Cambria Math" panose="02040503050406030204" pitchFamily="18" charset="0"/>
+                            </a:rPr>
+                          </m:ctrlPr>
+                        </m:naryPr>
+                        <m:sub>
+                          <m:r>
+                            <m:rPr>
+                              <m:brk m:alnAt="24"/>
+                            </m:rPr>
+                            <a:rPr lang="en-US" sz="3600" b="0" i="1" smtClean="0">
+                              <a:latin typeface="Cambria Math" panose="02040503050406030204" pitchFamily="18" charset="0"/>
+                            </a:rPr>
+                            <m:t>−</m:t>
+                          </m:r>
+                          <m:r>
+                            <a:rPr lang="en-US" sz="3600" b="0" i="1" smtClean="0">
+                              <a:latin typeface="Cambria Math" panose="02040503050406030204" pitchFamily="18" charset="0"/>
+                              <a:ea typeface="Cambria Math" panose="02040503050406030204" pitchFamily="18" charset="0"/>
+                            </a:rPr>
+                            <m:t>∞</m:t>
+                          </m:r>
+                        </m:sub>
+                        <m:sup>
+                          <m:r>
+                            <a:rPr lang="en-US" sz="3600" b="0" i="1" smtClean="0">
+                              <a:latin typeface="Cambria Math" panose="02040503050406030204" pitchFamily="18" charset="0"/>
+                            </a:rPr>
+                            <m:t>𝑡</m:t>
+                          </m:r>
+                        </m:sup>
+                        <m:e>
+                          <m:sSup>
+                            <m:sSupPr>
+                              <m:ctrlPr>
+                                <a:rPr lang="ru-RU" sz="3600" b="0" i="1" smtClean="0">
+                                  <a:latin typeface="Cambria Math" panose="02040503050406030204" pitchFamily="18" charset="0"/>
+                                </a:rPr>
+                              </m:ctrlPr>
+                            </m:sSupPr>
+                            <m:e>
+                              <m:r>
+                                <a:rPr lang="en-US" sz="3600" b="0" i="1" smtClean="0">
+                                  <a:latin typeface="Cambria Math" panose="02040503050406030204" pitchFamily="18" charset="0"/>
+                                </a:rPr>
+                                <m:t>𝑒</m:t>
+                              </m:r>
+                            </m:e>
+                            <m:sup>
+                              <m:r>
+                                <a:rPr lang="en-US" sz="3600" b="0" i="1" smtClean="0">
+                                  <a:latin typeface="Cambria Math" panose="02040503050406030204" pitchFamily="18" charset="0"/>
+                                </a:rPr>
+                                <m:t>−</m:t>
+                              </m:r>
+                              <m:f>
+                                <m:fPr>
+                                  <m:ctrlPr>
+                                    <a:rPr lang="en-US" sz="3600" b="0" i="1" smtClean="0">
+                                      <a:latin typeface="Cambria Math" panose="02040503050406030204" pitchFamily="18" charset="0"/>
+                                      <a:ea typeface="Cambria Math" panose="02040503050406030204" pitchFamily="18" charset="0"/>
+                                    </a:rPr>
+                                  </m:ctrlPr>
+                                </m:fPr>
+                                <m:num>
+                                  <m:r>
+                                    <a:rPr lang="en-US" sz="3600" b="0" i="1" smtClean="0">
+                                      <a:latin typeface="Cambria Math" panose="02040503050406030204" pitchFamily="18" charset="0"/>
+                                    </a:rPr>
+                                    <m:t>𝑖</m:t>
+                                  </m:r>
+                                  <m:r>
+                                    <a:rPr lang="en-US" sz="3600" b="0" i="1" smtClean="0">
+                                      <a:latin typeface="Cambria Math" panose="02040503050406030204" pitchFamily="18" charset="0"/>
+                                      <a:ea typeface="Cambria Math" panose="02040503050406030204" pitchFamily="18" charset="0"/>
+                                    </a:rPr>
+                                    <m:t>𝜖</m:t>
+                                  </m:r>
+                                  <m:sSup>
+                                    <m:sSupPr>
+                                      <m:ctrlPr>
+                                        <a:rPr lang="en-US" sz="3600" b="0" i="1" smtClean="0">
+                                          <a:latin typeface="Cambria Math" panose="02040503050406030204" pitchFamily="18" charset="0"/>
+                                          <a:ea typeface="Cambria Math" panose="02040503050406030204" pitchFamily="18" charset="0"/>
+                                        </a:rPr>
+                                      </m:ctrlPr>
+                                    </m:sSupPr>
+                                    <m:e>
+                                      <m:r>
+                                        <a:rPr lang="en-US" sz="3600" b="0" i="1" smtClean="0">
+                                          <a:latin typeface="Cambria Math" panose="02040503050406030204" pitchFamily="18" charset="0"/>
+                                          <a:ea typeface="Cambria Math" panose="02040503050406030204" pitchFamily="18" charset="0"/>
+                                        </a:rPr>
+                                        <m:t>𝑡</m:t>
+                                      </m:r>
+                                    </m:e>
+                                    <m:sup>
+                                      <m:r>
+                                        <a:rPr lang="en-US" sz="3600" b="0" i="1" smtClean="0">
+                                          <a:latin typeface="Cambria Math" panose="02040503050406030204" pitchFamily="18" charset="0"/>
+                                          <a:ea typeface="Cambria Math" panose="02040503050406030204" pitchFamily="18" charset="0"/>
+                                        </a:rPr>
+                                        <m:t>′</m:t>
+                                      </m:r>
+                                    </m:sup>
+                                  </m:sSup>
+                                </m:num>
+                                <m:den>
+                                  <m:r>
+                                    <a:rPr lang="en-US" sz="3600" b="0" i="1" smtClean="0">
+                                      <a:latin typeface="Cambria Math" panose="02040503050406030204" pitchFamily="18" charset="0"/>
+                                      <a:ea typeface="Cambria Math" panose="02040503050406030204" pitchFamily="18" charset="0"/>
+                                    </a:rPr>
+                                    <m:t>h</m:t>
+                                  </m:r>
+                                </m:den>
+                              </m:f>
+                            </m:sup>
+                          </m:sSup>
+                          <m:r>
+                            <a:rPr lang="en-US" sz="3600" b="0" i="1" smtClean="0">
+                              <a:latin typeface="Cambria Math" panose="02040503050406030204" pitchFamily="18" charset="0"/>
+                            </a:rPr>
+                            <m:t>𝐺</m:t>
+                          </m:r>
+                          <m:d>
+                            <m:dPr>
+                              <m:ctrlPr>
+                                <a:rPr lang="en-US" sz="3600" b="0" i="1" smtClean="0">
+                                  <a:latin typeface="Cambria Math" panose="02040503050406030204" pitchFamily="18" charset="0"/>
+                                </a:rPr>
+                              </m:ctrlPr>
+                            </m:dPr>
+                            <m:e>
+                              <m:r>
+                                <a:rPr lang="en-US" sz="3600" b="1" i="1" smtClean="0">
+                                  <a:latin typeface="Cambria Math" panose="02040503050406030204" pitchFamily="18" charset="0"/>
+                                </a:rPr>
+                                <m:t>𝒓</m:t>
+                              </m:r>
+                              <m:r>
+                                <a:rPr lang="en-US" sz="3600" b="0" i="1" smtClean="0">
+                                  <a:latin typeface="Cambria Math" panose="02040503050406030204" pitchFamily="18" charset="0"/>
+                                </a:rPr>
+                                <m:t>,</m:t>
+                              </m:r>
+                              <m:r>
+                                <a:rPr lang="en-US" sz="3600" b="0" i="1" smtClean="0">
+                                  <a:latin typeface="Cambria Math" panose="02040503050406030204" pitchFamily="18" charset="0"/>
+                                </a:rPr>
+                                <m:t>𝑡</m:t>
+                              </m:r>
+                              <m:r>
+                                <a:rPr lang="en-US" sz="3600" b="0" i="1" smtClean="0">
+                                  <a:latin typeface="Cambria Math" panose="02040503050406030204" pitchFamily="18" charset="0"/>
+                                </a:rPr>
+                                <m:t>;0,</m:t>
+                              </m:r>
+                              <m:sSup>
+                                <m:sSupPr>
+                                  <m:ctrlPr>
+                                    <a:rPr lang="en-US" sz="3600" b="0" i="1" smtClean="0">
+                                      <a:latin typeface="Cambria Math" panose="02040503050406030204" pitchFamily="18" charset="0"/>
+                                    </a:rPr>
+                                  </m:ctrlPr>
+                                </m:sSupPr>
+                                <m:e>
+                                  <m:r>
+                                    <a:rPr lang="en-US" sz="3600" b="0" i="1" smtClean="0">
+                                      <a:latin typeface="Cambria Math" panose="02040503050406030204" pitchFamily="18" charset="0"/>
+                                    </a:rPr>
+                                    <m:t>𝑡</m:t>
+                                  </m:r>
+                                </m:e>
+                                <m:sup>
+                                  <m:r>
+                                    <a:rPr lang="en-US" sz="3600" b="0" i="1" smtClean="0">
+                                      <a:latin typeface="Cambria Math" panose="02040503050406030204" pitchFamily="18" charset="0"/>
+                                    </a:rPr>
+                                    <m:t>′</m:t>
+                                  </m:r>
+                                </m:sup>
+                              </m:sSup>
+                            </m:e>
+                          </m:d>
+                          <m:r>
+                            <a:rPr lang="en-US" sz="3600" b="0" i="1" smtClean="0">
+                              <a:latin typeface="Cambria Math" panose="02040503050406030204" pitchFamily="18" charset="0"/>
+                            </a:rPr>
+                            <m:t>𝑓</m:t>
+                          </m:r>
+                          <m:d>
+                            <m:dPr>
+                              <m:ctrlPr>
+                                <a:rPr lang="en-US" sz="3600" b="0" i="1" smtClean="0">
+                                  <a:latin typeface="Cambria Math" panose="02040503050406030204" pitchFamily="18" charset="0"/>
+                                </a:rPr>
+                              </m:ctrlPr>
+                            </m:dPr>
+                            <m:e>
+                              <m:sSup>
+                                <m:sSupPr>
+                                  <m:ctrlPr>
+                                    <a:rPr lang="en-US" sz="3600" b="0" i="1" smtClean="0">
+                                      <a:latin typeface="Cambria Math" panose="02040503050406030204" pitchFamily="18" charset="0"/>
+                                    </a:rPr>
+                                  </m:ctrlPr>
+                                </m:sSupPr>
+                                <m:e>
+                                  <m:r>
+                                    <a:rPr lang="en-US" sz="3600" b="0" i="1" smtClean="0">
+                                      <a:latin typeface="Cambria Math" panose="02040503050406030204" pitchFamily="18" charset="0"/>
+                                    </a:rPr>
+                                    <m:t>𝑡</m:t>
+                                  </m:r>
+                                </m:e>
+                                <m:sup>
+                                  <m:r>
+                                    <a:rPr lang="en-US" sz="3600" b="0" i="1" smtClean="0">
+                                      <a:latin typeface="Cambria Math" panose="02040503050406030204" pitchFamily="18" charset="0"/>
+                                    </a:rPr>
+                                    <m:t>′</m:t>
+                                  </m:r>
+                                </m:sup>
+                              </m:sSup>
+                            </m:e>
+                          </m:d>
+                          <m:r>
+                            <a:rPr lang="en-US" sz="3600" b="0" i="1" smtClean="0">
+                              <a:latin typeface="Cambria Math" panose="02040503050406030204" pitchFamily="18" charset="0"/>
+                            </a:rPr>
+                            <m:t>𝑑𝑡</m:t>
+                          </m:r>
+                          <m:r>
+                            <a:rPr lang="en-US" sz="3600" b="0" i="1" smtClean="0">
+                              <a:latin typeface="Cambria Math" panose="02040503050406030204" pitchFamily="18" charset="0"/>
+                            </a:rPr>
+                            <m:t>′</m:t>
+                          </m:r>
+                        </m:e>
+                      </m:nary>
+                    </m:oMath>
+                  </m:oMathPara>
+                </a14:m>
+                <a:endParaRPr lang="en-US" dirty="0" smtClean="0"/>
+              </a:p>
+              <a:p>
+                <a:r>
+                  <a:rPr lang="ru-RU" dirty="0" smtClean="0"/>
+                  <a:t>Где для расчета коэффициентов Фурье потребуется вычислять матричный элемент </a:t>
+                </a:r>
+              </a:p>
+              <a:p>
+                <a:pPr marL="0" indent="0">
+                  <a:buNone/>
+                </a:pPr>
+                <a14:m>
+                  <m:oMathPara xmlns:m="http://schemas.openxmlformats.org/officeDocument/2006/math">
+                    <m:oMathParaPr>
+                      <m:jc m:val="centerGroup"/>
+                    </m:oMathParaPr>
+                    <m:oMath xmlns:m="http://schemas.openxmlformats.org/officeDocument/2006/math">
+                      <m:sSub>
+                        <m:sSubPr>
+                          <m:ctrlPr>
+                            <a:rPr lang="ru-RU" sz="3600" i="1">
+                              <a:latin typeface="Cambria Math" panose="02040503050406030204" pitchFamily="18" charset="0"/>
+                            </a:rPr>
+                          </m:ctrlPr>
+                        </m:sSubPr>
+                        <m:e>
+                          <m:r>
+                            <a:rPr lang="en-US" sz="3600" i="1">
+                              <a:latin typeface="Cambria Math" panose="02040503050406030204" pitchFamily="18" charset="0"/>
+                            </a:rPr>
+                            <m:t>𝑀</m:t>
+                          </m:r>
+                        </m:e>
+                        <m:sub>
+                          <m:r>
+                            <a:rPr lang="en-US" sz="3600" i="1">
+                              <a:latin typeface="Cambria Math" panose="02040503050406030204" pitchFamily="18" charset="0"/>
+                            </a:rPr>
+                            <m:t>0</m:t>
+                          </m:r>
+                        </m:sub>
+                      </m:sSub>
+                      <m:d>
+                        <m:dPr>
+                          <m:ctrlPr>
+                            <a:rPr lang="en-US" sz="3600" i="1">
+                              <a:latin typeface="Cambria Math" panose="02040503050406030204" pitchFamily="18" charset="0"/>
+                            </a:rPr>
+                          </m:ctrlPr>
+                        </m:dPr>
+                        <m:e>
+                          <m:r>
+                            <a:rPr lang="en-US" sz="3600" i="1">
+                              <a:latin typeface="Cambria Math" panose="02040503050406030204" pitchFamily="18" charset="0"/>
+                              <a:ea typeface="Cambria Math" panose="02040503050406030204" pitchFamily="18" charset="0"/>
+                            </a:rPr>
+                            <m:t>𝜀</m:t>
+                          </m:r>
+                          <m:r>
+                            <a:rPr lang="en-US" sz="3600" i="1">
+                              <a:latin typeface="Cambria Math" panose="02040503050406030204" pitchFamily="18" charset="0"/>
+                              <a:ea typeface="Cambria Math" panose="02040503050406030204" pitchFamily="18" charset="0"/>
+                            </a:rPr>
+                            <m:t>, </m:t>
+                          </m:r>
+                          <m:r>
+                            <a:rPr lang="en-US" sz="3600" i="1">
+                              <a:latin typeface="Cambria Math" panose="02040503050406030204" pitchFamily="18" charset="0"/>
+                              <a:ea typeface="Cambria Math" panose="02040503050406030204" pitchFamily="18" charset="0"/>
+                            </a:rPr>
+                            <m:t>𝑡</m:t>
+                          </m:r>
+                        </m:e>
+                      </m:d>
+                      <m:r>
+                        <a:rPr lang="en-US" sz="3600" i="1">
+                          <a:latin typeface="Cambria Math" panose="02040503050406030204" pitchFamily="18" charset="0"/>
+                          <a:ea typeface="Cambria Math" panose="02040503050406030204" pitchFamily="18" charset="0"/>
+                        </a:rPr>
+                        <m:t>=</m:t>
+                      </m:r>
                       <m:rad>
                         <m:radPr>
                           <m:degHide m:val="on"/>
                           <m:ctrlPr>
-                            <a:rPr lang="en-US" sz="3600" b="0" i="1" smtClean="0">
+                            <a:rPr lang="en-US" sz="3600" i="1">
                               <a:latin typeface="Cambria Math" panose="02040503050406030204" pitchFamily="18" charset="0"/>
                               <a:ea typeface="Cambria Math" panose="02040503050406030204" pitchFamily="18" charset="0"/>
                             </a:rPr>
@@ -3774,7 +4837,7 @@
                           <m:f>
                             <m:fPr>
                               <m:ctrlPr>
-                                <a:rPr lang="en-US" sz="3600" b="0" i="1" smtClean="0">
+                                <a:rPr lang="en-US" sz="3600" i="1">
                                   <a:latin typeface="Cambria Math" panose="02040503050406030204" pitchFamily="18" charset="0"/>
                                   <a:ea typeface="Cambria Math" panose="02040503050406030204" pitchFamily="18" charset="0"/>
                                 </a:rPr>
@@ -3782,7 +4845,7 @@
                             </m:fPr>
                             <m:num>
                               <m:r>
-                                <a:rPr lang="en-US" sz="3600" b="0" i="1" smtClean="0">
+                                <a:rPr lang="en-US" sz="3600" i="1">
                                   <a:latin typeface="Cambria Math" panose="02040503050406030204" pitchFamily="18" charset="0"/>
                                   <a:ea typeface="Cambria Math" panose="02040503050406030204" pitchFamily="18" charset="0"/>
                                 </a:rPr>
@@ -3791,21 +4854,21 @@
                             </m:num>
                             <m:den>
                               <m:r>
-                                <a:rPr lang="en-US" sz="3600" b="0" i="1" smtClean="0">
+                                <a:rPr lang="en-US" sz="3600" i="1">
                                   <a:latin typeface="Cambria Math" panose="02040503050406030204" pitchFamily="18" charset="0"/>
                                   <a:ea typeface="Cambria Math" panose="02040503050406030204" pitchFamily="18" charset="0"/>
                                 </a:rPr>
                                 <m:t>2</m:t>
                               </m:r>
                               <m:r>
-                                <a:rPr lang="en-US" sz="3600" b="0" i="1" smtClean="0">
+                                <a:rPr lang="en-US" sz="3600" i="1">
                                   <a:latin typeface="Cambria Math" panose="02040503050406030204" pitchFamily="18" charset="0"/>
                                   <a:ea typeface="Cambria Math" panose="02040503050406030204" pitchFamily="18" charset="0"/>
                                 </a:rPr>
                                 <m:t>𝜋</m:t>
                               </m:r>
                               <m:r>
-                                <a:rPr lang="en-US" sz="3600" b="0" i="1" smtClean="0">
+                                <a:rPr lang="en-US" sz="3600" i="1">
                                   <a:latin typeface="Cambria Math" panose="02040503050406030204" pitchFamily="18" charset="0"/>
                                   <a:ea typeface="Cambria Math" panose="02040503050406030204" pitchFamily="18" charset="0"/>
                                 </a:rPr>
@@ -3819,7 +4882,7 @@
                         <m:naryPr>
                           <m:limLoc m:val="undOvr"/>
                           <m:ctrlPr>
-                            <a:rPr lang="en-US" sz="3600" b="0" i="1" smtClean="0">
+                            <a:rPr lang="en-US" sz="3600" i="1">
                               <a:latin typeface="Cambria Math" panose="02040503050406030204" pitchFamily="18" charset="0"/>
                               <a:ea typeface="Cambria Math" panose="02040503050406030204" pitchFamily="18" charset="0"/>
                             </a:rPr>
@@ -3830,16 +4893,23 @@
                             <m:rPr>
                               <m:brk m:alnAt="24"/>
                             </m:rPr>
-                            <a:rPr lang="en-US" sz="3600" b="0" i="1" smtClean="0">
+                            <a:rPr lang="en-US" sz="3600" i="1">
                               <a:latin typeface="Cambria Math" panose="02040503050406030204" pitchFamily="18" charset="0"/>
                               <a:ea typeface="Cambria Math" panose="02040503050406030204" pitchFamily="18" charset="0"/>
                             </a:rPr>
-                            <m:t>−∞</m:t>
+                            <m:t>−</m:t>
+                          </m:r>
+                          <m:r>
+                            <a:rPr lang="en-US" sz="3600" i="1">
+                              <a:latin typeface="Cambria Math" panose="02040503050406030204" pitchFamily="18" charset="0"/>
+                              <a:ea typeface="Cambria Math" panose="02040503050406030204" pitchFamily="18" charset="0"/>
+                            </a:rPr>
+                            <m:t>∞</m:t>
                           </m:r>
                         </m:sub>
                         <m:sup>
                           <m:r>
-                            <a:rPr lang="en-US" sz="3600" b="0" i="1" smtClean="0">
+                            <a:rPr lang="en-US" sz="3600" i="1">
                               <a:latin typeface="Cambria Math" panose="02040503050406030204" pitchFamily="18" charset="0"/>
                               <a:ea typeface="Cambria Math" panose="02040503050406030204" pitchFamily="18" charset="0"/>
                             </a:rPr>
@@ -3850,7 +4920,7 @@
                           <m:f>
                             <m:fPr>
                               <m:ctrlPr>
-                                <a:rPr lang="en-US" sz="3600" b="0" i="1" smtClean="0">
+                                <a:rPr lang="en-US" sz="3600" i="1">
                                   <a:latin typeface="Cambria Math" panose="02040503050406030204" pitchFamily="18" charset="0"/>
                                   <a:ea typeface="Cambria Math" panose="02040503050406030204" pitchFamily="18" charset="0"/>
                                 </a:rPr>
@@ -3860,7 +4930,7 @@
                               <m:sSup>
                                 <m:sSupPr>
                                   <m:ctrlPr>
-                                    <a:rPr lang="en-US" sz="3600" b="0" i="1" smtClean="0">
+                                    <a:rPr lang="en-US" sz="3600" i="1">
                                       <a:latin typeface="Cambria Math" panose="02040503050406030204" pitchFamily="18" charset="0"/>
                                       <a:ea typeface="Cambria Math" panose="02040503050406030204" pitchFamily="18" charset="0"/>
                                     </a:rPr>
@@ -3868,7 +4938,7 @@
                                 </m:sSupPr>
                                 <m:e>
                                   <m:r>
-                                    <a:rPr lang="en-US" sz="3600" b="0" i="1" smtClean="0">
+                                    <a:rPr lang="en-US" sz="3600" i="1">
                                       <a:latin typeface="Cambria Math" panose="02040503050406030204" pitchFamily="18" charset="0"/>
                                       <a:ea typeface="Cambria Math" panose="02040503050406030204" pitchFamily="18" charset="0"/>
                                     </a:rPr>
@@ -3877,49 +4947,56 @@
                                 </m:e>
                                 <m:sup>
                                   <m:r>
-                                    <a:rPr lang="en-US" sz="3600" b="0" i="1" smtClean="0">
+                                    <a:rPr lang="en-US" sz="3600" i="1">
                                       <a:latin typeface="Cambria Math" panose="02040503050406030204" pitchFamily="18" charset="0"/>
                                       <a:ea typeface="Cambria Math" panose="02040503050406030204" pitchFamily="18" charset="0"/>
                                     </a:rPr>
                                     <m:t>𝑖</m:t>
                                   </m:r>
                                   <m:r>
-                                    <a:rPr lang="en-US" sz="3600" b="0" i="1" smtClean="0">
+                                    <a:rPr lang="en-US" sz="3600" i="1">
+                                      <a:latin typeface="Cambria Math" panose="02040503050406030204" pitchFamily="18" charset="0"/>
+                                      <a:ea typeface="Cambria Math" panose="02040503050406030204" pitchFamily="18" charset="0"/>
+                                    </a:rPr>
+                                    <m:t>𝜀</m:t>
+                                  </m:r>
+                                  <m:r>
+                                    <a:rPr lang="en-US" sz="3600" i="1">
                                       <a:latin typeface="Cambria Math" panose="02040503050406030204" pitchFamily="18" charset="0"/>
                                       <a:ea typeface="Cambria Math" panose="02040503050406030204" pitchFamily="18" charset="0"/>
                                     </a:rPr>
                                     <m:t>(</m:t>
                                   </m:r>
                                   <m:r>
-                                    <a:rPr lang="en-US" sz="3600" b="0" i="1" smtClean="0">
+                                    <a:rPr lang="en-US" sz="3600" i="1">
                                       <a:latin typeface="Cambria Math" panose="02040503050406030204" pitchFamily="18" charset="0"/>
                                       <a:ea typeface="Cambria Math" panose="02040503050406030204" pitchFamily="18" charset="0"/>
                                     </a:rPr>
                                     <m:t>𝑡</m:t>
                                   </m:r>
                                   <m:r>
-                                    <a:rPr lang="en-US" sz="3600" b="0" i="1" smtClean="0">
+                                    <a:rPr lang="en-US" sz="3600" i="1">
                                       <a:latin typeface="Cambria Math" panose="02040503050406030204" pitchFamily="18" charset="0"/>
                                       <a:ea typeface="Cambria Math" panose="02040503050406030204" pitchFamily="18" charset="0"/>
                                     </a:rPr>
                                     <m:t>−</m:t>
                                   </m:r>
                                   <m:r>
-                                    <a:rPr lang="en-US" sz="3600" b="0" i="1" smtClean="0">
+                                    <a:rPr lang="en-US" sz="3600" i="1">
                                       <a:latin typeface="Cambria Math" panose="02040503050406030204" pitchFamily="18" charset="0"/>
                                       <a:ea typeface="Cambria Math" panose="02040503050406030204" pitchFamily="18" charset="0"/>
                                     </a:rPr>
                                     <m:t>𝑡</m:t>
                                   </m:r>
                                   <m:r>
-                                    <a:rPr lang="en-US" sz="3600" b="0" i="1" smtClean="0">
+                                    <a:rPr lang="en-US" sz="3600" i="1">
                                       <a:latin typeface="Cambria Math" panose="02040503050406030204" pitchFamily="18" charset="0"/>
                                       <a:ea typeface="Cambria Math" panose="02040503050406030204" pitchFamily="18" charset="0"/>
                                     </a:rPr>
                                     <m:t>`)/</m:t>
                                   </m:r>
                                   <m:r>
-                                    <a:rPr lang="en-US" sz="3600" b="0" i="1" smtClean="0">
+                                    <a:rPr lang="en-US" sz="3600" i="1">
                                       <a:latin typeface="Cambria Math" panose="02040503050406030204" pitchFamily="18" charset="0"/>
                                       <a:ea typeface="Cambria Math" panose="02040503050406030204" pitchFamily="18" charset="0"/>
                                     </a:rPr>
@@ -3932,7 +5009,7 @@
                               <m:sSup>
                                 <m:sSupPr>
                                   <m:ctrlPr>
-                                    <a:rPr lang="en-US" sz="3600" b="0" i="1" smtClean="0">
+                                    <a:rPr lang="en-US" sz="3600" i="1">
                                       <a:latin typeface="Cambria Math" panose="02040503050406030204" pitchFamily="18" charset="0"/>
                                       <a:ea typeface="Cambria Math" panose="02040503050406030204" pitchFamily="18" charset="0"/>
                                     </a:rPr>
@@ -3940,35 +5017,35 @@
                                 </m:sSupPr>
                                 <m:e>
                                   <m:r>
-                                    <a:rPr lang="en-US" sz="3600" b="0" i="1" smtClean="0">
+                                    <a:rPr lang="en-US" sz="3600" i="1">
                                       <a:latin typeface="Cambria Math" panose="02040503050406030204" pitchFamily="18" charset="0"/>
                                       <a:ea typeface="Cambria Math" panose="02040503050406030204" pitchFamily="18" charset="0"/>
                                     </a:rPr>
                                     <m:t>(</m:t>
                                   </m:r>
                                   <m:r>
-                                    <a:rPr lang="en-US" sz="3600" b="0" i="1" smtClean="0">
+                                    <a:rPr lang="en-US" sz="3600" i="1">
                                       <a:latin typeface="Cambria Math" panose="02040503050406030204" pitchFamily="18" charset="0"/>
                                       <a:ea typeface="Cambria Math" panose="02040503050406030204" pitchFamily="18" charset="0"/>
                                     </a:rPr>
                                     <m:t>𝑡</m:t>
                                   </m:r>
                                   <m:r>
-                                    <a:rPr lang="en-US" sz="3600" b="0" i="1" smtClean="0">
+                                    <a:rPr lang="en-US" sz="3600" i="1">
                                       <a:latin typeface="Cambria Math" panose="02040503050406030204" pitchFamily="18" charset="0"/>
                                       <a:ea typeface="Cambria Math" panose="02040503050406030204" pitchFamily="18" charset="0"/>
                                     </a:rPr>
                                     <m:t>−</m:t>
                                   </m:r>
                                   <m:r>
-                                    <a:rPr lang="en-US" sz="3600" b="0" i="1" smtClean="0">
+                                    <a:rPr lang="en-US" sz="3600" i="1">
                                       <a:latin typeface="Cambria Math" panose="02040503050406030204" pitchFamily="18" charset="0"/>
                                       <a:ea typeface="Cambria Math" panose="02040503050406030204" pitchFamily="18" charset="0"/>
                                     </a:rPr>
                                     <m:t>𝑡</m:t>
                                   </m:r>
                                   <m:r>
-                                    <a:rPr lang="en-US" sz="3600" b="0" i="1" smtClean="0">
+                                    <a:rPr lang="en-US" sz="3600" i="1">
                                       <a:latin typeface="Cambria Math" panose="02040503050406030204" pitchFamily="18" charset="0"/>
                                       <a:ea typeface="Cambria Math" panose="02040503050406030204" pitchFamily="18" charset="0"/>
                                     </a:rPr>
@@ -3977,7 +5054,7 @@
                                 </m:e>
                                 <m:sup>
                                   <m:r>
-                                    <a:rPr lang="en-US" sz="3600" b="0" i="1" smtClean="0">
+                                    <a:rPr lang="en-US" sz="3600" i="1">
                                       <a:latin typeface="Cambria Math" panose="02040503050406030204" pitchFamily="18" charset="0"/>
                                       <a:ea typeface="Cambria Math" panose="02040503050406030204" pitchFamily="18" charset="0"/>
                                     </a:rPr>
@@ -3992,7 +5069,7 @@
                               <m:begChr m:val="["/>
                               <m:endChr m:val="]"/>
                               <m:ctrlPr>
-                                <a:rPr lang="en-US" sz="3600" b="0" i="1" smtClean="0">
+                                <a:rPr lang="en-US" sz="3600" i="1">
                                   <a:latin typeface="Cambria Math" panose="02040503050406030204" pitchFamily="18" charset="0"/>
                                   <a:ea typeface="Cambria Math" panose="02040503050406030204" pitchFamily="18" charset="0"/>
                                 </a:rPr>
@@ -4002,7 +5079,7 @@
                               <m:sSup>
                                 <m:sSupPr>
                                   <m:ctrlPr>
-                                    <a:rPr lang="en-US" sz="3600" b="0" i="1" smtClean="0">
+                                    <a:rPr lang="en-US" sz="3600" i="1">
                                       <a:latin typeface="Cambria Math" panose="02040503050406030204" pitchFamily="18" charset="0"/>
                                       <a:ea typeface="Cambria Math" panose="02040503050406030204" pitchFamily="18" charset="0"/>
                                     </a:rPr>
@@ -4010,7 +5087,7 @@
                                 </m:sSupPr>
                                 <m:e>
                                   <m:r>
-                                    <a:rPr lang="en-US" sz="3600" b="0" i="1" smtClean="0">
+                                    <a:rPr lang="en-US" sz="3600" i="1">
                                       <a:latin typeface="Cambria Math" panose="02040503050406030204" pitchFamily="18" charset="0"/>
                                       <a:ea typeface="Cambria Math" panose="02040503050406030204" pitchFamily="18" charset="0"/>
                                     </a:rPr>
@@ -4080,14 +5157,14 @@
                                     </m:e>
                                   </m:d>
                                   <m:r>
-                                    <a:rPr lang="en-US" sz="3600" b="0" i="1" smtClean="0">
+                                    <a:rPr lang="en-US" sz="3600" i="1">
                                       <a:latin typeface="Cambria Math" panose="02040503050406030204" pitchFamily="18" charset="0"/>
                                       <a:ea typeface="Cambria Math" panose="02040503050406030204" pitchFamily="18" charset="0"/>
                                     </a:rPr>
                                     <m:t>/</m:t>
                                   </m:r>
                                   <m:r>
-                                    <a:rPr lang="en-US" sz="3600" b="0" i="1" smtClean="0">
+                                    <a:rPr lang="en-US" sz="3600" i="1">
                                       <a:latin typeface="Cambria Math" panose="02040503050406030204" pitchFamily="18" charset="0"/>
                                       <a:ea typeface="Cambria Math" panose="02040503050406030204" pitchFamily="18" charset="0"/>
                                     </a:rPr>
@@ -4096,7 +5173,7 @@
                                 </m:sup>
                               </m:sSup>
                               <m:r>
-                                <a:rPr lang="en-US" sz="3600" b="0" i="1" smtClean="0">
+                                <a:rPr lang="en-US" sz="3600" i="1">
                                   <a:latin typeface="Cambria Math" panose="02040503050406030204" pitchFamily="18" charset="0"/>
                                   <a:ea typeface="Cambria Math" panose="02040503050406030204" pitchFamily="18" charset="0"/>
                                 </a:rPr>
@@ -4105,14 +5182,14 @@
                             </m:e>
                           </m:d>
                           <m:r>
-                            <a:rPr lang="en-US" sz="3600" b="0" i="1" smtClean="0">
+                            <a:rPr lang="en-US" sz="3600" i="1">
                               <a:latin typeface="Cambria Math" panose="02040503050406030204" pitchFamily="18" charset="0"/>
                               <a:ea typeface="Cambria Math" panose="02040503050406030204" pitchFamily="18" charset="0"/>
                             </a:rPr>
                             <m:t>𝑑𝑡</m:t>
                           </m:r>
                           <m:r>
-                            <a:rPr lang="en-US" sz="3600" b="0" i="1" smtClean="0">
+                            <a:rPr lang="en-US" sz="3600" i="1">
                               <a:latin typeface="Cambria Math" panose="02040503050406030204" pitchFamily="18" charset="0"/>
                               <a:ea typeface="Cambria Math" panose="02040503050406030204" pitchFamily="18" charset="0"/>
                             </a:rPr>
@@ -4123,32 +5200,31 @@
                     </m:oMath>
                   </m:oMathPara>
                 </a14:m>
-                <a:endParaRPr lang="ru-RU" sz="3600" dirty="0"/>
+                <a:endParaRPr lang="en-US" dirty="0" smtClean="0"/>
               </a:p>
             </p:txBody>
           </p:sp>
         </mc:Choice>
-        <mc:Fallback>
+        <mc:Fallback xmlns="">
           <p:sp>
             <p:nvSpPr>
-              <p:cNvPr id="4" name="TextBox 3"/>
-              <p:cNvSpPr txBox="1">
-                <a:spLocks noRot="1" noChangeAspect="1" noMove="1" noResize="1" noEditPoints="1" noAdjustHandles="1" noChangeArrowheads="1" noChangeShapeType="1" noTextEdit="1"/>
+              <p:cNvPr id="3" name="Объект 2"/>
+              <p:cNvSpPr>
+                <a:spLocks noGrp="1" noRot="1" noChangeAspect="1" noMove="1" noResize="1" noEditPoints="1" noAdjustHandles="1" noChangeArrowheads="1" noChangeShapeType="1" noTextEdit="1"/>
               </p:cNvSpPr>
-              <p:nvPr/>
+              <p:nvPr>
+                <p:ph idx="1"/>
+              </p:nvPr>
             </p:nvSpPr>
             <p:spPr>
               <a:xfrm>
-                <a:off x="533400" y="4645931"/>
-                <a:ext cx="10820400" cy="1665969"/>
+                <a:off x="838200" y="1825625"/>
+                <a:ext cx="10515600" cy="4351338"/>
               </a:xfrm>
-              <a:prstGeom prst="rect">
-                <a:avLst/>
-              </a:prstGeom>
               <a:blipFill>
                 <a:blip r:embed="rId2"/>
                 <a:stretch>
-                  <a:fillRect/>
+                  <a:fillRect l="-1043" t="-2241"/>
                 </a:stretch>
               </a:blipFill>
             </p:spPr>
@@ -4177,6 +5253,107 @@
   <p:clrMapOvr>
     <a:masterClrMapping/>
   </p:clrMapOvr>
+  <p:timing>
+    <p:tnLst>
+      <p:par>
+        <p:cTn id="1" dur="indefinite" restart="never" nodeType="tmRoot"/>
+      </p:par>
+    </p:tnLst>
+  </p:timing>
+</p:sld>
+</file>
+
+<file path=ppt/slides/slide5.xml><?xml version="1.0" encoding="utf-8"?>
+<p:sld xmlns:a="http://schemas.openxmlformats.org/drawingml/2006/main" xmlns:r="http://schemas.openxmlformats.org/officeDocument/2006/relationships" xmlns:p="http://schemas.openxmlformats.org/presentationml/2006/main">
+  <p:cSld>
+    <p:spTree>
+      <p:nvGrpSpPr>
+        <p:cNvPr id="1" name=""/>
+        <p:cNvGrpSpPr/>
+        <p:nvPr/>
+      </p:nvGrpSpPr>
+      <p:grpSpPr>
+        <a:xfrm>
+          <a:off x="0" y="0"/>
+          <a:ext cx="0" cy="0"/>
+          <a:chOff x="0" y="0"/>
+          <a:chExt cx="0" cy="0"/>
+        </a:xfrm>
+      </p:grpSpPr>
+      <p:sp>
+        <p:nvSpPr>
+          <p:cNvPr id="2" name="Заголовок 1"/>
+          <p:cNvSpPr>
+            <a:spLocks noGrp="1"/>
+          </p:cNvSpPr>
+          <p:nvPr>
+            <p:ph type="title"/>
+          </p:nvPr>
+        </p:nvSpPr>
+        <p:spPr/>
+        <p:txBody>
+          <a:bodyPr/>
+          <a:lstStyle/>
+          <a:p>
+            <a:r>
+              <a:rPr lang="ru-RU" dirty="0" smtClean="0"/>
+              <a:t>Способы решения</a:t>
+            </a:r>
+            <a:endParaRPr lang="ru-RU" dirty="0"/>
+          </a:p>
+        </p:txBody>
+      </p:sp>
+      <p:sp>
+        <p:nvSpPr>
+          <p:cNvPr id="3" name="Объект 2"/>
+          <p:cNvSpPr>
+            <a:spLocks noGrp="1"/>
+          </p:cNvSpPr>
+          <p:nvPr>
+            <p:ph idx="1"/>
+          </p:nvPr>
+        </p:nvSpPr>
+        <p:spPr/>
+        <p:txBody>
+          <a:bodyPr>
+            <a:normAutofit/>
+          </a:bodyPr>
+          <a:lstStyle/>
+          <a:p>
+            <a:r>
+              <a:rPr lang="ru-RU" dirty="0"/>
+              <a:t>Численный</a:t>
+            </a:r>
+          </a:p>
+          <a:p>
+            <a:r>
+              <a:rPr lang="ru-RU" dirty="0" smtClean="0"/>
+              <a:t>Аналитический</a:t>
+            </a:r>
+            <a:endParaRPr lang="ru-RU" dirty="0"/>
+          </a:p>
+          <a:p>
+            <a:endParaRPr lang="en-US" dirty="0" smtClean="0"/>
+          </a:p>
+        </p:txBody>
+      </p:sp>
+    </p:spTree>
+    <p:extLst>
+      <p:ext uri="{BB962C8B-B14F-4D97-AF65-F5344CB8AC3E}">
+        <p14:creationId xmlns:p14="http://schemas.microsoft.com/office/powerpoint/2010/main" val="1629399405"/>
+      </p:ext>
+    </p:extLst>
+  </p:cSld>
+  <p:clrMapOvr>
+    <a:masterClrMapping/>
+  </p:clrMapOvr>
+  <p:timing>
+    <p:tnLst>
+      <p:par>
+        <p:cTn id="1" dur="indefinite" restart="never" nodeType="tmRoot"/>
+      </p:par>
+    </p:tnLst>
+  </p:timing>
 </p:sld>
 </file>
 
@@ -4213,94 +5390,6 @@
           <a:lstStyle/>
           <a:p>
             <a:r>
-              <a:rPr lang="ru-RU" dirty="0"/>
-              <a:t>Обсуждение </a:t>
-            </a:r>
-            <a:r>
-              <a:rPr lang="ru-RU" dirty="0" smtClean="0"/>
-              <a:t>алгоритма</a:t>
-            </a:r>
-            <a:endParaRPr lang="ru-RU" dirty="0"/>
-          </a:p>
-        </p:txBody>
-      </p:sp>
-      <p:sp>
-        <p:nvSpPr>
-          <p:cNvPr id="3" name="Объект 2"/>
-          <p:cNvSpPr>
-            <a:spLocks noGrp="1"/>
-          </p:cNvSpPr>
-          <p:nvPr>
-            <p:ph idx="1"/>
-          </p:nvPr>
-        </p:nvSpPr>
-        <p:spPr/>
-        <p:txBody>
-          <a:bodyPr>
-            <a:normAutofit/>
-          </a:bodyPr>
-          <a:lstStyle/>
-          <a:p>
-            <a:r>
-              <a:rPr lang="ru-RU" dirty="0"/>
-              <a:t>Численный</a:t>
-            </a:r>
-          </a:p>
-          <a:p>
-            <a:r>
-              <a:rPr lang="ru-RU" dirty="0" smtClean="0"/>
-              <a:t>Аналитический</a:t>
-            </a:r>
-            <a:endParaRPr lang="en-US" dirty="0" smtClean="0"/>
-          </a:p>
-        </p:txBody>
-      </p:sp>
-    </p:spTree>
-    <p:extLst>
-      <p:ext uri="{BB962C8B-B14F-4D97-AF65-F5344CB8AC3E}">
-        <p14:creationId xmlns:p14="http://schemas.microsoft.com/office/powerpoint/2010/main" val="1629399405"/>
-      </p:ext>
-    </p:extLst>
-  </p:cSld>
-  <p:clrMapOvr>
-    <a:masterClrMapping/>
-  </p:clrMapOvr>
-</p:sld>
-</file>
-
-<file path=ppt/slides/slide7.xml><?xml version="1.0" encoding="utf-8"?>
-<p:sld xmlns:a="http://schemas.openxmlformats.org/drawingml/2006/main" xmlns:r="http://schemas.openxmlformats.org/officeDocument/2006/relationships" xmlns:p="http://schemas.openxmlformats.org/presentationml/2006/main">
-  <p:cSld>
-    <p:spTree>
-      <p:nvGrpSpPr>
-        <p:cNvPr id="1" name=""/>
-        <p:cNvGrpSpPr/>
-        <p:nvPr/>
-      </p:nvGrpSpPr>
-      <p:grpSpPr>
-        <a:xfrm>
-          <a:off x="0" y="0"/>
-          <a:ext cx="0" cy="0"/>
-          <a:chOff x="0" y="0"/>
-          <a:chExt cx="0" cy="0"/>
-        </a:xfrm>
-      </p:grpSpPr>
-      <p:sp>
-        <p:nvSpPr>
-          <p:cNvPr id="2" name="Заголовок 1"/>
-          <p:cNvSpPr>
-            <a:spLocks noGrp="1"/>
-          </p:cNvSpPr>
-          <p:nvPr>
-            <p:ph type="title"/>
-          </p:nvPr>
-        </p:nvSpPr>
-        <p:spPr/>
-        <p:txBody>
-          <a:bodyPr/>
-          <a:lstStyle/>
-          <a:p>
-            <a:r>
               <a:rPr lang="ru-RU" dirty="0" smtClean="0"/>
               <a:t>Метод перевала</a:t>
             </a:r>
@@ -4308,121 +5397,54 @@
           </a:p>
         </p:txBody>
       </p:sp>
-      <p:sp>
-        <p:nvSpPr>
-          <p:cNvPr id="3" name="Объект 2"/>
-          <p:cNvSpPr>
-            <a:spLocks noGrp="1"/>
-          </p:cNvSpPr>
-          <p:nvPr>
-            <p:ph idx="1"/>
-          </p:nvPr>
-        </p:nvSpPr>
-        <p:spPr/>
-        <p:txBody>
-          <a:bodyPr/>
-          <a:lstStyle/>
-          <a:p>
-            <a:r>
-              <a:rPr lang="ru-RU" dirty="0"/>
-              <a:t>Метод перевала применяется для оценки при больших значениях параметра </a:t>
-            </a:r>
-            <a:r>
-              <a:rPr lang="el-GR" dirty="0"/>
-              <a:t>λ</a:t>
-            </a:r>
-            <a:r>
-              <a:rPr lang="en-US" dirty="0" smtClean="0"/>
-              <a:t> </a:t>
-            </a:r>
-            <a:r>
-              <a:rPr lang="ru-RU" dirty="0" smtClean="0"/>
-              <a:t>контурных </a:t>
-            </a:r>
-            <a:r>
-              <a:rPr lang="ru-RU" dirty="0"/>
-              <a:t>интегралов </a:t>
-            </a:r>
-            <a:r>
-              <a:rPr lang="ru-RU" dirty="0" smtClean="0"/>
-              <a:t>вида</a:t>
-            </a:r>
-            <a:endParaRPr lang="en-US" dirty="0" smtClean="0"/>
-          </a:p>
-          <a:p>
-            <a:endParaRPr lang="en-US" dirty="0"/>
-          </a:p>
-          <a:p>
-            <a:endParaRPr lang="ru-RU" dirty="0"/>
-          </a:p>
-          <a:p>
-            <a:r>
-              <a:rPr lang="ru-RU" dirty="0" smtClean="0"/>
-              <a:t>Преобразуя их к виду</a:t>
-            </a:r>
-            <a:r>
-              <a:rPr lang="el-GR" dirty="0"/>
-              <a:t/>
-            </a:r>
-            <a:br>
-              <a:rPr lang="el-GR" dirty="0"/>
-            </a:br>
-            <a:endParaRPr lang="ru-RU" dirty="0" smtClean="0"/>
-          </a:p>
-          <a:p>
-            <a:endParaRPr lang="ru-RU" dirty="0"/>
-          </a:p>
-          <a:p>
-            <a:endParaRPr lang="ru-RU" dirty="0" smtClean="0"/>
-          </a:p>
-          <a:p>
-            <a:r>
-              <a:rPr lang="ru-RU" dirty="0" smtClean="0"/>
-              <a:t>где </a:t>
-            </a:r>
-            <a:r>
-              <a:rPr lang="en-US" dirty="0" err="1" smtClean="0"/>
-              <a:t>z0</a:t>
-            </a:r>
-            <a:r>
-              <a:rPr lang="en-US" dirty="0" smtClean="0"/>
-              <a:t> – </a:t>
-            </a:r>
-            <a:r>
-              <a:rPr lang="ru-RU" dirty="0" smtClean="0"/>
-              <a:t>корни </a:t>
-            </a:r>
-            <a:r>
-              <a:rPr lang="en-US" dirty="0" smtClean="0"/>
-              <a:t>f’(t) = 0</a:t>
-            </a:r>
-          </a:p>
-        </p:txBody>
-      </p:sp>
-      <mc:AlternateContent xmlns:mc="http://schemas.openxmlformats.org/markup-compatibility/2006">
-        <mc:Choice xmlns:a14="http://schemas.microsoft.com/office/drawing/2010/main" Requires="a14">
+      <mc:AlternateContent xmlns:mc="http://schemas.openxmlformats.org/markup-compatibility/2006" xmlns:a14="http://schemas.microsoft.com/office/drawing/2010/main">
+        <mc:Choice Requires="a14">
           <p:sp>
             <p:nvSpPr>
-              <p:cNvPr id="4" name="TextBox 3"/>
-              <p:cNvSpPr txBox="1"/>
-              <p:nvPr/>
+              <p:cNvPr id="3" name="Объект 2"/>
+              <p:cNvSpPr>
+                <a:spLocks noGrp="1"/>
+              </p:cNvSpPr>
+              <p:nvPr>
+                <p:ph idx="1"/>
+              </p:nvPr>
             </p:nvSpPr>
-            <p:spPr>
-              <a:xfrm>
-                <a:off x="1298448" y="2755392"/>
-                <a:ext cx="3212592" cy="1120307"/>
-              </a:xfrm>
-              <a:prstGeom prst="rect">
-                <a:avLst/>
-              </a:prstGeom>
-              <a:noFill/>
-            </p:spPr>
+            <p:spPr/>
             <p:txBody>
-              <a:bodyPr wrap="square" lIns="0" tIns="0" rIns="0" bIns="0" rtlCol="0">
-                <a:spAutoFit/>
+              <a:bodyPr>
+                <a:normAutofit lnSpcReduction="10000"/>
               </a:bodyPr>
               <a:lstStyle/>
               <a:p>
+                <a:r>
+                  <a:rPr lang="ru-RU" dirty="0"/>
+                  <a:t>Метод перевала применяется для оценки при больших значениях параметра </a:t>
+                </a:r>
+                <a:r>
+                  <a:rPr lang="el-GR" dirty="0"/>
+                  <a:t>λ</a:t>
+                </a:r>
+                <a:r>
+                  <a:rPr lang="en-US" dirty="0" smtClean="0"/>
+                  <a:t> </a:t>
+                </a:r>
+                <a:r>
+                  <a:rPr lang="ru-RU" dirty="0" smtClean="0"/>
+                  <a:t>контурных </a:t>
+                </a:r>
+                <a:r>
+                  <a:rPr lang="ru-RU" dirty="0"/>
+                  <a:t>интегралов </a:t>
+                </a:r>
+                <a:r>
+                  <a:rPr lang="ru-RU" dirty="0" smtClean="0"/>
+                  <a:t>вида</a:t>
+                </a:r>
+              </a:p>
+              <a:p>
+                <a:pPr marL="0" indent="0">
+                  <a:buNone/>
+                </a:pPr>
                 <a14:m>
                   <m:oMathPara xmlns:m="http://schemas.openxmlformats.org/officeDocument/2006/math">
                     <m:oMathParaPr>
@@ -4430,7 +5452,7 @@
                     </m:oMathParaPr>
                     <m:oMath xmlns:m="http://schemas.openxmlformats.org/officeDocument/2006/math">
                       <m:r>
-                        <a:rPr lang="en-US" sz="2400" b="0" i="1" smtClean="0">
+                        <a:rPr lang="en-US" sz="3200" i="1">
                           <a:latin typeface="Cambria Math" panose="02040503050406030204" pitchFamily="18" charset="0"/>
                         </a:rPr>
                         <m:t>𝐹</m:t>
@@ -4438,14 +5460,14 @@
                       <m:d>
                         <m:dPr>
                           <m:ctrlPr>
-                            <a:rPr lang="en-US" sz="2400" b="0" i="1" smtClean="0">
+                            <a:rPr lang="en-US" sz="3200" i="1">
                               <a:latin typeface="Cambria Math" panose="02040503050406030204" pitchFamily="18" charset="0"/>
                             </a:rPr>
                           </m:ctrlPr>
                         </m:dPr>
                         <m:e>
                           <m:r>
-                            <a:rPr lang="en-US" sz="2400" b="0" i="1" smtClean="0">
+                            <a:rPr lang="en-US" sz="3200" i="1">
                               <a:latin typeface="Cambria Math" panose="02040503050406030204" pitchFamily="18" charset="0"/>
                               <a:ea typeface="Cambria Math" panose="02040503050406030204" pitchFamily="18" charset="0"/>
                             </a:rPr>
@@ -4454,7 +5476,7 @@
                         </m:e>
                       </m:d>
                       <m:r>
-                        <a:rPr lang="en-US" sz="2400" b="0" i="1" smtClean="0">
+                        <a:rPr lang="en-US" sz="3200" i="1">
                           <a:latin typeface="Cambria Math" panose="02040503050406030204" pitchFamily="18" charset="0"/>
                           <a:ea typeface="Cambria Math" panose="02040503050406030204" pitchFamily="18" charset="0"/>
                         </a:rPr>
@@ -4464,7 +5486,7 @@
                         <m:naryPr>
                           <m:limLoc m:val="undOvr"/>
                           <m:ctrlPr>
-                            <a:rPr lang="en-US" sz="2400" b="0" i="1" smtClean="0">
+                            <a:rPr lang="en-US" sz="3200" i="1">
                               <a:latin typeface="Cambria Math" panose="02040503050406030204" pitchFamily="18" charset="0"/>
                               <a:ea typeface="Cambria Math" panose="02040503050406030204" pitchFamily="18" charset="0"/>
                             </a:rPr>
@@ -4475,7 +5497,7 @@
                             <m:rPr>
                               <m:brk m:alnAt="24"/>
                             </m:rPr>
-                            <a:rPr lang="en-US" sz="2400" b="0" i="1" smtClean="0">
+                            <a:rPr lang="en-US" sz="3200" i="1">
                               <a:latin typeface="Cambria Math" panose="02040503050406030204" pitchFamily="18" charset="0"/>
                               <a:ea typeface="Cambria Math" panose="02040503050406030204" pitchFamily="18" charset="0"/>
                             </a:rPr>
@@ -4484,7 +5506,7 @@
                         </m:sub>
                         <m:sup>
                           <m:r>
-                            <a:rPr lang="en-US" sz="2400" b="0" i="1" smtClean="0">
+                            <a:rPr lang="en-US" sz="3200" i="1">
                               <a:latin typeface="Cambria Math" panose="02040503050406030204" pitchFamily="18" charset="0"/>
                               <a:ea typeface="Cambria Math" panose="02040503050406030204" pitchFamily="18" charset="0"/>
                             </a:rPr>
@@ -4493,7 +5515,7 @@
                         </m:sup>
                         <m:e>
                           <m:r>
-                            <a:rPr lang="en-US" sz="2400" b="0" i="1" smtClean="0">
+                            <a:rPr lang="en-US" sz="3200" i="1">
                               <a:latin typeface="Cambria Math" panose="02040503050406030204" pitchFamily="18" charset="0"/>
                               <a:ea typeface="Cambria Math" panose="02040503050406030204" pitchFamily="18" charset="0"/>
                             </a:rPr>
@@ -4502,7 +5524,7 @@
                           <m:d>
                             <m:dPr>
                               <m:ctrlPr>
-                                <a:rPr lang="en-US" sz="2400" b="0" i="1" smtClean="0">
+                                <a:rPr lang="en-US" sz="3200" i="1">
                                   <a:latin typeface="Cambria Math" panose="02040503050406030204" pitchFamily="18" charset="0"/>
                                   <a:ea typeface="Cambria Math" panose="02040503050406030204" pitchFamily="18" charset="0"/>
                                 </a:rPr>
@@ -4510,7 +5532,7 @@
                             </m:dPr>
                             <m:e>
                               <m:r>
-                                <a:rPr lang="en-US" sz="2400" b="0" i="1" smtClean="0">
+                                <a:rPr lang="en-US" sz="3200" i="1">
                                   <a:latin typeface="Cambria Math" panose="02040503050406030204" pitchFamily="18" charset="0"/>
                                   <a:ea typeface="Cambria Math" panose="02040503050406030204" pitchFamily="18" charset="0"/>
                                 </a:rPr>
@@ -4521,7 +5543,7 @@
                           <m:sSup>
                             <m:sSupPr>
                               <m:ctrlPr>
-                                <a:rPr lang="en-US" sz="2400" b="0" i="1" smtClean="0">
+                                <a:rPr lang="en-US" sz="3200" i="1">
                                   <a:latin typeface="Cambria Math" panose="02040503050406030204" pitchFamily="18" charset="0"/>
                                   <a:ea typeface="Cambria Math" panose="02040503050406030204" pitchFamily="18" charset="0"/>
                                 </a:rPr>
@@ -4529,7 +5551,7 @@
                             </m:sSupPr>
                             <m:e>
                               <m:r>
-                                <a:rPr lang="en-US" sz="2400" b="0" i="1" smtClean="0">
+                                <a:rPr lang="en-US" sz="3200" i="1">
                                   <a:latin typeface="Cambria Math" panose="02040503050406030204" pitchFamily="18" charset="0"/>
                                   <a:ea typeface="Cambria Math" panose="02040503050406030204" pitchFamily="18" charset="0"/>
                                 </a:rPr>
@@ -4538,35 +5560,35 @@
                             </m:e>
                             <m:sup>
                               <m:r>
-                                <a:rPr lang="en-US" sz="2400" b="0" i="1" smtClean="0">
+                                <a:rPr lang="en-US" sz="3200" i="1">
                                   <a:latin typeface="Cambria Math" panose="02040503050406030204" pitchFamily="18" charset="0"/>
                                   <a:ea typeface="Cambria Math" panose="02040503050406030204" pitchFamily="18" charset="0"/>
                                 </a:rPr>
                                 <m:t>𝜆</m:t>
                               </m:r>
                               <m:r>
-                                <a:rPr lang="en-US" sz="2400" b="0" i="1" smtClean="0">
+                                <a:rPr lang="en-US" sz="3200" i="1">
                                   <a:latin typeface="Cambria Math" panose="02040503050406030204" pitchFamily="18" charset="0"/>
                                   <a:ea typeface="Cambria Math" panose="02040503050406030204" pitchFamily="18" charset="0"/>
                                 </a:rPr>
                                 <m:t>𝑓</m:t>
                               </m:r>
                               <m:r>
-                                <a:rPr lang="en-US" sz="2400" b="0" i="1" smtClean="0">
+                                <a:rPr lang="en-US" sz="3200" i="1">
                                   <a:latin typeface="Cambria Math" panose="02040503050406030204" pitchFamily="18" charset="0"/>
                                   <a:ea typeface="Cambria Math" panose="02040503050406030204" pitchFamily="18" charset="0"/>
                                 </a:rPr>
                                 <m:t>(</m:t>
                               </m:r>
                               <m:r>
-                                <a:rPr lang="en-US" sz="2400" b="0" i="1" smtClean="0">
+                                <a:rPr lang="en-US" sz="3200" i="1">
                                   <a:latin typeface="Cambria Math" panose="02040503050406030204" pitchFamily="18" charset="0"/>
                                   <a:ea typeface="Cambria Math" panose="02040503050406030204" pitchFamily="18" charset="0"/>
                                 </a:rPr>
                                 <m:t>𝑡</m:t>
                               </m:r>
                               <m:r>
-                                <a:rPr lang="en-US" sz="2400" b="0" i="1" smtClean="0">
+                                <a:rPr lang="en-US" sz="3200" i="1">
                                   <a:latin typeface="Cambria Math" panose="02040503050406030204" pitchFamily="18" charset="0"/>
                                   <a:ea typeface="Cambria Math" panose="02040503050406030204" pitchFamily="18" charset="0"/>
                                 </a:rPr>
@@ -4575,7 +5597,7 @@
                             </m:sup>
                           </m:sSup>
                           <m:r>
-                            <a:rPr lang="en-US" sz="2400" b="0" i="1" smtClean="0">
+                            <a:rPr lang="en-US" sz="3200" i="1">
                               <a:latin typeface="Cambria Math" panose="02040503050406030204" pitchFamily="18" charset="0"/>
                               <a:ea typeface="Cambria Math" panose="02040503050406030204" pitchFamily="18" charset="0"/>
                             </a:rPr>
@@ -4586,74 +5608,18 @@
                     </m:oMath>
                   </m:oMathPara>
                 </a14:m>
-                <a:endParaRPr lang="ru-RU" sz="2400" dirty="0"/>
+                <a:endParaRPr lang="ru-RU" dirty="0"/>
               </a:p>
-            </p:txBody>
-          </p:sp>
-        </mc:Choice>
-        <mc:Fallback>
-          <p:sp>
-            <p:nvSpPr>
-              <p:cNvPr id="4" name="TextBox 3"/>
-              <p:cNvSpPr txBox="1">
-                <a:spLocks noRot="1" noChangeAspect="1" noMove="1" noResize="1" noEditPoints="1" noAdjustHandles="1" noChangeArrowheads="1" noChangeShapeType="1" noTextEdit="1"/>
-              </p:cNvSpPr>
-              <p:nvPr/>
-            </p:nvSpPr>
-            <p:spPr>
-              <a:xfrm>
-                <a:off x="1298448" y="2755392"/>
-                <a:ext cx="3212592" cy="1120307"/>
-              </a:xfrm>
-              <a:prstGeom prst="rect">
-                <a:avLst/>
-              </a:prstGeom>
-              <a:blipFill>
-                <a:blip r:embed="rId2"/>
-                <a:stretch>
-                  <a:fillRect/>
-                </a:stretch>
-              </a:blipFill>
-            </p:spPr>
-            <p:txBody>
-              <a:bodyPr/>
-              <a:lstStyle/>
               <a:p>
                 <a:r>
-                  <a:rPr lang="ru-RU">
-                    <a:noFill/>
-                  </a:rPr>
-                  <a:t> </a:t>
+                  <a:rPr lang="ru-RU" dirty="0" smtClean="0"/>
+                  <a:t>Преобразуя их к виду</a:t>
                 </a:r>
               </a:p>
-            </p:txBody>
-          </p:sp>
-        </mc:Fallback>
-      </mc:AlternateContent>
-      <mc:AlternateContent xmlns:mc="http://schemas.openxmlformats.org/markup-compatibility/2006">
-        <mc:Choice xmlns:a14="http://schemas.microsoft.com/office/drawing/2010/main" Requires="a14">
-          <p:sp>
-            <p:nvSpPr>
-              <p:cNvPr id="6" name="Прямоугольник 5"/>
-              <p:cNvSpPr/>
-              <p:nvPr/>
-            </p:nvSpPr>
-            <p:spPr>
-              <a:xfrm>
-                <a:off x="1298448" y="4213701"/>
-                <a:ext cx="5052088" cy="1183529"/>
-              </a:xfrm>
-              <a:prstGeom prst="rect">
-                <a:avLst/>
-              </a:prstGeom>
-            </p:spPr>
-            <p:txBody>
-              <a:bodyPr wrap="none">
-                <a:spAutoFit/>
-              </a:bodyPr>
-              <a:lstStyle/>
               <a:p>
-                <a:pPr/>
+                <a:pPr marL="0" indent="0">
+                  <a:buNone/>
+                </a:pPr>
                 <a14:m>
                   <m:oMathPara xmlns:m="http://schemas.openxmlformats.org/officeDocument/2006/math">
                     <m:oMathParaPr>
@@ -4661,7 +5627,7 @@
                     </m:oMathParaPr>
                     <m:oMath xmlns:m="http://schemas.openxmlformats.org/officeDocument/2006/math">
                       <m:r>
-                        <a:rPr lang="en-US" sz="2400" i="1" smtClean="0">
+                        <a:rPr lang="en-US" sz="3200" i="1">
                           <a:latin typeface="Cambria Math" panose="02040503050406030204" pitchFamily="18" charset="0"/>
                         </a:rPr>
                         <m:t>𝐹</m:t>
@@ -4669,14 +5635,14 @@
                       <m:d>
                         <m:dPr>
                           <m:ctrlPr>
-                            <a:rPr lang="en-US" sz="2400" i="1">
+                            <a:rPr lang="en-US" sz="3200" i="1">
                               <a:latin typeface="Cambria Math" panose="02040503050406030204" pitchFamily="18" charset="0"/>
                             </a:rPr>
                           </m:ctrlPr>
                         </m:dPr>
                         <m:e>
                           <m:r>
-                            <a:rPr lang="en-US" sz="2400" i="1">
+                            <a:rPr lang="en-US" sz="3200" i="1">
                               <a:latin typeface="Cambria Math" panose="02040503050406030204" pitchFamily="18" charset="0"/>
                               <a:ea typeface="Cambria Math" panose="02040503050406030204" pitchFamily="18" charset="0"/>
                             </a:rPr>
@@ -4685,7 +5651,7 @@
                         </m:e>
                       </m:d>
                       <m:r>
-                        <a:rPr lang="en-US" sz="2400" i="1" smtClean="0">
+                        <a:rPr lang="en-US" sz="3200" i="1">
                           <a:latin typeface="Cambria Math" panose="02040503050406030204" pitchFamily="18" charset="0"/>
                           <a:ea typeface="Cambria Math" panose="02040503050406030204" pitchFamily="18" charset="0"/>
                         </a:rPr>
@@ -4694,7 +5660,7 @@
                       <m:sSup>
                         <m:sSupPr>
                           <m:ctrlPr>
-                            <a:rPr lang="en-US" sz="2400" i="1">
+                            <a:rPr lang="en-US" sz="3200" i="1">
                               <a:latin typeface="Cambria Math" panose="02040503050406030204" pitchFamily="18" charset="0"/>
                               <a:ea typeface="Cambria Math" panose="02040503050406030204" pitchFamily="18" charset="0"/>
                             </a:rPr>
@@ -4702,7 +5668,7 @@
                         </m:sSupPr>
                         <m:e>
                           <m:r>
-                            <a:rPr lang="en-US" sz="2400" i="1">
+                            <a:rPr lang="en-US" sz="3200" i="1">
                               <a:latin typeface="Cambria Math" panose="02040503050406030204" pitchFamily="18" charset="0"/>
                               <a:ea typeface="Cambria Math" panose="02040503050406030204" pitchFamily="18" charset="0"/>
                             </a:rPr>
@@ -4711,14 +5677,14 @@
                         </m:e>
                         <m:sup>
                           <m:r>
-                            <a:rPr lang="en-US" sz="2400" i="1">
+                            <a:rPr lang="en-US" sz="3200" i="1">
                               <a:latin typeface="Cambria Math" panose="02040503050406030204" pitchFamily="18" charset="0"/>
                               <a:ea typeface="Cambria Math" panose="02040503050406030204" pitchFamily="18" charset="0"/>
                             </a:rPr>
                             <m:t>𝜆</m:t>
                           </m:r>
                           <m:r>
-                            <a:rPr lang="en-US" sz="2400" i="1">
+                            <a:rPr lang="en-US" sz="3200" i="1">
                               <a:latin typeface="Cambria Math" panose="02040503050406030204" pitchFamily="18" charset="0"/>
                               <a:ea typeface="Cambria Math" panose="02040503050406030204" pitchFamily="18" charset="0"/>
                             </a:rPr>
@@ -4727,7 +5693,7 @@
                           <m:d>
                             <m:dPr>
                               <m:ctrlPr>
-                                <a:rPr lang="en-US" sz="2400" i="1">
+                                <a:rPr lang="en-US" sz="3200" i="1">
                                   <a:latin typeface="Cambria Math" panose="02040503050406030204" pitchFamily="18" charset="0"/>
                                   <a:ea typeface="Cambria Math" panose="02040503050406030204" pitchFamily="18" charset="0"/>
                                 </a:rPr>
@@ -4737,7 +5703,7 @@
                               <m:sSub>
                                 <m:sSubPr>
                                   <m:ctrlPr>
-                                    <a:rPr lang="en-US" sz="2400" i="1" smtClean="0">
+                                    <a:rPr lang="en-US" sz="3200" i="1">
                                       <a:latin typeface="Cambria Math" panose="02040503050406030204" pitchFamily="18" charset="0"/>
                                       <a:ea typeface="Cambria Math" panose="02040503050406030204" pitchFamily="18" charset="0"/>
                                     </a:rPr>
@@ -4745,7 +5711,7 @@
                                 </m:sSubPr>
                                 <m:e>
                                   <m:r>
-                                    <a:rPr lang="en-US" sz="2400" b="0" i="1" smtClean="0">
+                                    <a:rPr lang="en-US" sz="3200" i="1">
                                       <a:latin typeface="Cambria Math" panose="02040503050406030204" pitchFamily="18" charset="0"/>
                                       <a:ea typeface="Cambria Math" panose="02040503050406030204" pitchFamily="18" charset="0"/>
                                     </a:rPr>
@@ -4754,7 +5720,7 @@
                                 </m:e>
                                 <m:sub>
                                   <m:r>
-                                    <a:rPr lang="en-US" sz="2400" b="0" i="1" smtClean="0">
+                                    <a:rPr lang="en-US" sz="3200" i="1">
                                       <a:latin typeface="Cambria Math" panose="02040503050406030204" pitchFamily="18" charset="0"/>
                                       <a:ea typeface="Cambria Math" panose="02040503050406030204" pitchFamily="18" charset="0"/>
                                     </a:rPr>
@@ -4770,7 +5736,7 @@
                         <m:radPr>
                           <m:degHide m:val="on"/>
                           <m:ctrlPr>
-                            <a:rPr lang="en-US" sz="2400" i="1" smtClean="0">
+                            <a:rPr lang="en-US" sz="3200" i="1">
                               <a:latin typeface="Cambria Math" panose="02040503050406030204" pitchFamily="18" charset="0"/>
                               <a:ea typeface="Cambria Math" panose="02040503050406030204" pitchFamily="18" charset="0"/>
                             </a:rPr>
@@ -4781,7 +5747,7 @@
                           <m:f>
                             <m:fPr>
                               <m:ctrlPr>
-                                <a:rPr lang="en-US" sz="2400" i="1" smtClean="0">
+                                <a:rPr lang="en-US" sz="3200" i="1">
                                   <a:latin typeface="Cambria Math" panose="02040503050406030204" pitchFamily="18" charset="0"/>
                                   <a:ea typeface="Cambria Math" panose="02040503050406030204" pitchFamily="18" charset="0"/>
                                 </a:rPr>
@@ -4789,14 +5755,14 @@
                             </m:fPr>
                             <m:num>
                               <m:r>
-                                <a:rPr lang="en-US" sz="2400" b="0" i="1" smtClean="0">
+                                <a:rPr lang="en-US" sz="3200" i="1">
                                   <a:latin typeface="Cambria Math" panose="02040503050406030204" pitchFamily="18" charset="0"/>
                                   <a:ea typeface="Cambria Math" panose="02040503050406030204" pitchFamily="18" charset="0"/>
                                 </a:rPr>
                                 <m:t>2</m:t>
                               </m:r>
                               <m:r>
-                                <a:rPr lang="en-US" sz="2400" b="0" i="1" smtClean="0">
+                                <a:rPr lang="en-US" sz="3200" i="1">
                                   <a:latin typeface="Cambria Math" panose="02040503050406030204" pitchFamily="18" charset="0"/>
                                   <a:ea typeface="Cambria Math" panose="02040503050406030204" pitchFamily="18" charset="0"/>
                                 </a:rPr>
@@ -4809,7 +5775,7 @@
                                   <m:begChr m:val="|"/>
                                   <m:endChr m:val="|"/>
                                   <m:ctrlPr>
-                                    <a:rPr lang="en-US" sz="2400" b="0" i="1" smtClean="0">
+                                    <a:rPr lang="en-US" sz="3200" i="1">
                                       <a:latin typeface="Cambria Math" panose="02040503050406030204" pitchFamily="18" charset="0"/>
                                       <a:ea typeface="Cambria Math" panose="02040503050406030204" pitchFamily="18" charset="0"/>
                                     </a:rPr>
@@ -4819,7 +5785,7 @@
                                   <m:sSup>
                                     <m:sSupPr>
                                       <m:ctrlPr>
-                                        <a:rPr lang="en-US" sz="2400" b="0" i="1" smtClean="0">
+                                        <a:rPr lang="en-US" sz="3200" i="1">
                                           <a:latin typeface="Cambria Math" panose="02040503050406030204" pitchFamily="18" charset="0"/>
                                           <a:ea typeface="Cambria Math" panose="02040503050406030204" pitchFamily="18" charset="0"/>
                                         </a:rPr>
@@ -4827,7 +5793,7 @@
                                     </m:sSupPr>
                                     <m:e>
                                       <m:r>
-                                        <a:rPr lang="en-US" sz="2400" b="0" i="1" smtClean="0">
+                                        <a:rPr lang="en-US" sz="3200" i="1">
                                           <a:latin typeface="Cambria Math" panose="02040503050406030204" pitchFamily="18" charset="0"/>
                                           <a:ea typeface="Cambria Math" panose="02040503050406030204" pitchFamily="18" charset="0"/>
                                         </a:rPr>
@@ -4836,7 +5802,7 @@
                                     </m:e>
                                     <m:sup>
                                       <m:r>
-                                        <a:rPr lang="en-US" sz="2400" b="0" i="1" smtClean="0">
+                                        <a:rPr lang="en-US" sz="3200" i="1">
                                           <a:latin typeface="Cambria Math" panose="02040503050406030204" pitchFamily="18" charset="0"/>
                                           <a:ea typeface="Cambria Math" panose="02040503050406030204" pitchFamily="18" charset="0"/>
                                         </a:rPr>
@@ -4847,7 +5813,7 @@
                                   <m:d>
                                     <m:dPr>
                                       <m:ctrlPr>
-                                        <a:rPr lang="en-US" sz="2400" b="0" i="1" smtClean="0">
+                                        <a:rPr lang="en-US" sz="3200" i="1">
                                           <a:latin typeface="Cambria Math" panose="02040503050406030204" pitchFamily="18" charset="0"/>
                                           <a:ea typeface="Cambria Math" panose="02040503050406030204" pitchFamily="18" charset="0"/>
                                         </a:rPr>
@@ -4857,7 +5823,7 @@
                                       <m:sSub>
                                         <m:sSubPr>
                                           <m:ctrlPr>
-                                            <a:rPr lang="en-US" sz="2400" b="0" i="1" smtClean="0">
+                                            <a:rPr lang="en-US" sz="3200" i="1">
                                               <a:latin typeface="Cambria Math" panose="02040503050406030204" pitchFamily="18" charset="0"/>
                                               <a:ea typeface="Cambria Math" panose="02040503050406030204" pitchFamily="18" charset="0"/>
                                             </a:rPr>
@@ -4865,7 +5831,7 @@
                                         </m:sSubPr>
                                         <m:e>
                                           <m:r>
-                                            <a:rPr lang="en-US" sz="2400" b="0" i="1" smtClean="0">
+                                            <a:rPr lang="en-US" sz="3200" i="1">
                                               <a:latin typeface="Cambria Math" panose="02040503050406030204" pitchFamily="18" charset="0"/>
                                               <a:ea typeface="Cambria Math" panose="02040503050406030204" pitchFamily="18" charset="0"/>
                                             </a:rPr>
@@ -4874,7 +5840,7 @@
                                         </m:e>
                                         <m:sub>
                                           <m:r>
-                                            <a:rPr lang="en-US" sz="2400" b="0" i="1" smtClean="0">
+                                            <a:rPr lang="en-US" sz="3200" i="1">
                                               <a:latin typeface="Cambria Math" panose="02040503050406030204" pitchFamily="18" charset="0"/>
                                               <a:ea typeface="Cambria Math" panose="02040503050406030204" pitchFamily="18" charset="0"/>
                                             </a:rPr>
@@ -4891,7 +5857,7 @@
                         </m:e>
                       </m:rad>
                       <m:r>
-                        <a:rPr lang="en-US" sz="2400" i="1">
+                        <a:rPr lang="en-US" sz="3200" i="1">
                           <a:latin typeface="Cambria Math" panose="02040503050406030204" pitchFamily="18" charset="0"/>
                           <a:ea typeface="Cambria Math" panose="02040503050406030204" pitchFamily="18" charset="0"/>
                         </a:rPr>
@@ -4900,7 +5866,7 @@
                       <m:d>
                         <m:dPr>
                           <m:ctrlPr>
-                            <a:rPr lang="en-US" sz="2400" i="1">
+                            <a:rPr lang="en-US" sz="3200" i="1">
                               <a:latin typeface="Cambria Math" panose="02040503050406030204" pitchFamily="18" charset="0"/>
                               <a:ea typeface="Cambria Math" panose="02040503050406030204" pitchFamily="18" charset="0"/>
                             </a:rPr>
@@ -4910,7 +5876,7 @@
                           <m:sSub>
                             <m:sSubPr>
                               <m:ctrlPr>
-                                <a:rPr lang="en-US" sz="2400" i="1">
+                                <a:rPr lang="en-US" sz="3200" i="1">
                                   <a:latin typeface="Cambria Math" panose="02040503050406030204" pitchFamily="18" charset="0"/>
                                   <a:ea typeface="Cambria Math" panose="02040503050406030204" pitchFamily="18" charset="0"/>
                                 </a:rPr>
@@ -4918,7 +5884,7 @@
                             </m:sSubPr>
                             <m:e>
                               <m:r>
-                                <a:rPr lang="en-US" sz="2400" i="1">
+                                <a:rPr lang="en-US" sz="3200" i="1">
                                   <a:latin typeface="Cambria Math" panose="02040503050406030204" pitchFamily="18" charset="0"/>
                                   <a:ea typeface="Cambria Math" panose="02040503050406030204" pitchFamily="18" charset="0"/>
                                 </a:rPr>
@@ -4927,7 +5893,7 @@
                             </m:e>
                             <m:sub>
                               <m:r>
-                                <a:rPr lang="en-US" sz="2400" i="1">
+                                <a:rPr lang="en-US" sz="3200" i="1">
                                   <a:latin typeface="Cambria Math" panose="02040503050406030204" pitchFamily="18" charset="0"/>
                                   <a:ea typeface="Cambria Math" panose="02040503050406030204" pitchFamily="18" charset="0"/>
                                 </a:rPr>
@@ -4940,7 +5906,7 @@
                       <m:sSup>
                         <m:sSupPr>
                           <m:ctrlPr>
-                            <a:rPr lang="en-US" sz="2400" i="1" smtClean="0">
+                            <a:rPr lang="en-US" sz="3200" i="1">
                               <a:latin typeface="Cambria Math" panose="02040503050406030204" pitchFamily="18" charset="0"/>
                               <a:ea typeface="Cambria Math" panose="02040503050406030204" pitchFamily="18" charset="0"/>
                             </a:rPr>
@@ -4948,7 +5914,7 @@
                         </m:sSupPr>
                         <m:e>
                           <m:r>
-                            <a:rPr lang="en-US" sz="2400" b="0" i="1" smtClean="0">
+                            <a:rPr lang="en-US" sz="3200" i="1">
                               <a:latin typeface="Cambria Math" panose="02040503050406030204" pitchFamily="18" charset="0"/>
                               <a:ea typeface="Cambria Math" panose="02040503050406030204" pitchFamily="18" charset="0"/>
                             </a:rPr>
@@ -4957,14 +5923,14 @@
                         </m:e>
                         <m:sup>
                           <m:r>
-                            <a:rPr lang="en-US" sz="2400" b="0" i="1" smtClean="0">
+                            <a:rPr lang="en-US" sz="3200" i="1">
                               <a:latin typeface="Cambria Math" panose="02040503050406030204" pitchFamily="18" charset="0"/>
                               <a:ea typeface="Cambria Math" panose="02040503050406030204" pitchFamily="18" charset="0"/>
                             </a:rPr>
                             <m:t>𝑖</m:t>
                           </m:r>
                           <m:r>
-                            <a:rPr lang="en-US" sz="2400" b="0" i="1" smtClean="0">
+                            <a:rPr lang="en-US" sz="3200" i="1">
                               <a:latin typeface="Cambria Math" panose="02040503050406030204" pitchFamily="18" charset="0"/>
                               <a:ea typeface="Cambria Math" panose="02040503050406030204" pitchFamily="18" charset="0"/>
                             </a:rPr>
@@ -4975,7 +5941,7 @@
                       <m:f>
                         <m:fPr>
                           <m:ctrlPr>
-                            <a:rPr lang="en-US" sz="2400" i="1" smtClean="0">
+                            <a:rPr lang="en-US" sz="3200" i="1">
                               <a:latin typeface="Cambria Math" panose="02040503050406030204" pitchFamily="18" charset="0"/>
                               <a:ea typeface="Cambria Math" panose="02040503050406030204" pitchFamily="18" charset="0"/>
                             </a:rPr>
@@ -4983,7 +5949,7 @@
                         </m:fPr>
                         <m:num>
                           <m:r>
-                            <a:rPr lang="en-US" sz="2400" b="0" i="1" smtClean="0">
+                            <a:rPr lang="en-US" sz="3200" i="1">
                               <a:latin typeface="Cambria Math" panose="02040503050406030204" pitchFamily="18" charset="0"/>
                               <a:ea typeface="Cambria Math" panose="02040503050406030204" pitchFamily="18" charset="0"/>
                             </a:rPr>
@@ -4995,7 +5961,7 @@
                             <m:radPr>
                               <m:degHide m:val="on"/>
                               <m:ctrlPr>
-                                <a:rPr lang="en-US" sz="2400" i="1" smtClean="0">
+                                <a:rPr lang="en-US" sz="3200" i="1">
                                   <a:latin typeface="Cambria Math" panose="02040503050406030204" pitchFamily="18" charset="0"/>
                                   <a:ea typeface="Cambria Math" panose="02040503050406030204" pitchFamily="18" charset="0"/>
                                 </a:rPr>
@@ -5004,7 +5970,7 @@
                             <m:deg/>
                             <m:e>
                               <m:r>
-                                <a:rPr lang="en-US" sz="2400" i="1" smtClean="0">
+                                <a:rPr lang="en-US" sz="3200" i="1">
                                   <a:latin typeface="Cambria Math" panose="02040503050406030204" pitchFamily="18" charset="0"/>
                                   <a:ea typeface="Cambria Math" panose="02040503050406030204" pitchFamily="18" charset="0"/>
                                 </a:rPr>
@@ -5015,7 +5981,7 @@
                         </m:den>
                       </m:f>
                       <m:r>
-                        <a:rPr lang="ru-RU" sz="2400" b="0" i="0" smtClean="0">
+                        <a:rPr lang="ru-RU" sz="3200">
                           <a:latin typeface="Cambria Math" panose="02040503050406030204" pitchFamily="18" charset="0"/>
                           <a:ea typeface="Cambria Math" panose="02040503050406030204" pitchFamily="18" charset="0"/>
                         </a:rPr>
@@ -5024,32 +5990,49 @@
                     </m:oMath>
                   </m:oMathPara>
                 </a14:m>
-                <a:endParaRPr lang="ru-RU" sz="2000" dirty="0"/>
+                <a:endParaRPr lang="ru-RU" dirty="0" smtClean="0"/>
+              </a:p>
+              <a:p>
+                <a:r>
+                  <a:rPr lang="ru-RU" dirty="0" smtClean="0"/>
+                  <a:t>где </a:t>
+                </a:r>
+                <a:r>
+                  <a:rPr lang="en-US" dirty="0" err="1" smtClean="0"/>
+                  <a:t>z0</a:t>
+                </a:r>
+                <a:r>
+                  <a:rPr lang="en-US" dirty="0" smtClean="0"/>
+                  <a:t> – </a:t>
+                </a:r>
+                <a:r>
+                  <a:rPr lang="ru-RU" dirty="0" smtClean="0"/>
+                  <a:t>корни </a:t>
+                </a:r>
+                <a:r>
+                  <a:rPr lang="en-US" dirty="0" smtClean="0"/>
+                  <a:t>f’(t) = 0</a:t>
+                </a:r>
               </a:p>
             </p:txBody>
           </p:sp>
         </mc:Choice>
-        <mc:Fallback>
+        <mc:Fallback xmlns="">
           <p:sp>
             <p:nvSpPr>
-              <p:cNvPr id="6" name="Прямоугольник 5"/>
+              <p:cNvPr id="3" name="Объект 2"/>
               <p:cNvSpPr>
-                <a:spLocks noRot="1" noChangeAspect="1" noMove="1" noResize="1" noEditPoints="1" noAdjustHandles="1" noChangeArrowheads="1" noChangeShapeType="1" noTextEdit="1"/>
+                <a:spLocks noGrp="1" noRot="1" noChangeAspect="1" noMove="1" noResize="1" noEditPoints="1" noAdjustHandles="1" noChangeArrowheads="1" noChangeShapeType="1" noTextEdit="1"/>
               </p:cNvSpPr>
-              <p:nvPr/>
+              <p:nvPr>
+                <p:ph idx="1"/>
+              </p:nvPr>
             </p:nvSpPr>
             <p:spPr>
-              <a:xfrm>
-                <a:off x="1298448" y="4213701"/>
-                <a:ext cx="5052088" cy="1183529"/>
-              </a:xfrm>
-              <a:prstGeom prst="rect">
-                <a:avLst/>
-              </a:prstGeom>
               <a:blipFill>
-                <a:blip r:embed="rId3"/>
+                <a:blip r:embed="rId2"/>
                 <a:stretch>
-                  <a:fillRect/>
+                  <a:fillRect l="-1043" t="-3081" r="-1275" b="-3922"/>
                 </a:stretch>
               </a:blipFill>
             </p:spPr>
@@ -5078,10 +6061,17 @@
   <p:clrMapOvr>
     <a:masterClrMapping/>
   </p:clrMapOvr>
+  <p:timing>
+    <p:tnLst>
+      <p:par>
+        <p:cTn id="1" dur="indefinite" restart="never" nodeType="tmRoot"/>
+      </p:par>
+    </p:tnLst>
+  </p:timing>
 </p:sld>
 </file>
 
-<file path=ppt/slides/slide8.xml><?xml version="1.0" encoding="utf-8"?>
+<file path=ppt/slides/slide7.xml><?xml version="1.0" encoding="utf-8"?>
 <p:sld xmlns:a="http://schemas.openxmlformats.org/drawingml/2006/main" xmlns:r="http://schemas.openxmlformats.org/officeDocument/2006/relationships" xmlns:p="http://schemas.openxmlformats.org/presentationml/2006/main">
   <p:cSld>
     <p:spTree>
@@ -5115,7 +6105,7 @@
           <a:p>
             <a:r>
               <a:rPr lang="ru-RU" dirty="0" smtClean="0"/>
-              <a:t>Аналитическое</a:t>
+              <a:t>Аналитическое решение</a:t>
             </a:r>
             <a:endParaRPr lang="ru-RU" dirty="0"/>
           </a:p>
@@ -5169,8 +6159,8 @@
           </a:p>
         </p:txBody>
       </p:sp>
-      <mc:AlternateContent xmlns:mc="http://schemas.openxmlformats.org/markup-compatibility/2006">
-        <mc:Choice xmlns:a14="http://schemas.microsoft.com/office/drawing/2010/main" Requires="a14">
+      <mc:AlternateContent xmlns:mc="http://schemas.openxmlformats.org/markup-compatibility/2006" xmlns:a14="http://schemas.microsoft.com/office/drawing/2010/main">
+        <mc:Choice Requires="a14">
           <p:sp>
             <p:nvSpPr>
               <p:cNvPr id="6" name="Прямоугольник 5"/>
@@ -5192,6 +6182,7 @@
               </a:bodyPr>
               <a:lstStyle/>
               <a:p>
+                <a:pPr/>
                 <a14:m>
                   <m:oMathPara xmlns:m="http://schemas.openxmlformats.org/officeDocument/2006/math">
                     <m:oMathParaPr>
@@ -5608,7 +6599,7 @@
             </p:txBody>
           </p:sp>
         </mc:Choice>
-        <mc:Fallback>
+        <mc:Fallback xmlns="">
           <p:sp>
             <p:nvSpPr>
               <p:cNvPr id="6" name="Прямоугольник 5"/>
@@ -5647,8 +6638,8 @@
           </p:sp>
         </mc:Fallback>
       </mc:AlternateContent>
-      <mc:AlternateContent xmlns:mc="http://schemas.openxmlformats.org/markup-compatibility/2006">
-        <mc:Choice xmlns:a14="http://schemas.microsoft.com/office/drawing/2010/main" Requires="a14">
+      <mc:AlternateContent xmlns:mc="http://schemas.openxmlformats.org/markup-compatibility/2006" xmlns:a14="http://schemas.microsoft.com/office/drawing/2010/main">
+        <mc:Choice Requires="a14">
           <p:sp>
             <p:nvSpPr>
               <p:cNvPr id="7" name="Прямоугольник 6"/>
@@ -5856,7 +6847,7 @@
                       <a:rPr lang="en-US" sz="3600" b="0" i="1" smtClean="0">
                         <a:latin typeface="Cambria Math" panose="02040503050406030204" pitchFamily="18" charset="0"/>
                       </a:rPr>
-                      <m:t>𝑚𝐹</m:t>
+                      <m:t>𝑚𝑓</m:t>
                     </m:r>
                     <m:r>
                       <a:rPr lang="en-US" sz="3600" b="0" i="1" smtClean="0">
@@ -5918,7 +6909,7 @@
             </p:txBody>
           </p:sp>
         </mc:Choice>
-        <mc:Fallback>
+        <mc:Fallback xmlns="">
           <p:sp>
             <p:nvSpPr>
               <p:cNvPr id="7" name="Прямоугольник 6"/>
@@ -5967,6 +6958,102 @@
   <p:clrMapOvr>
     <a:masterClrMapping/>
   </p:clrMapOvr>
+  <p:timing>
+    <p:tnLst>
+      <p:par>
+        <p:cTn id="1" dur="indefinite" restart="never" nodeType="tmRoot"/>
+      </p:par>
+    </p:tnLst>
+  </p:timing>
+</p:sld>
+</file>
+
+<file path=ppt/slides/slide8.xml><?xml version="1.0" encoding="utf-8"?>
+<p:sld xmlns:a="http://schemas.openxmlformats.org/drawingml/2006/main" xmlns:r="http://schemas.openxmlformats.org/officeDocument/2006/relationships" xmlns:p="http://schemas.openxmlformats.org/presentationml/2006/main">
+  <p:cSld>
+    <p:spTree>
+      <p:nvGrpSpPr>
+        <p:cNvPr id="1" name=""/>
+        <p:cNvGrpSpPr/>
+        <p:nvPr/>
+      </p:nvGrpSpPr>
+      <p:grpSpPr>
+        <a:xfrm>
+          <a:off x="0" y="0"/>
+          <a:ext cx="0" cy="0"/>
+          <a:chOff x="0" y="0"/>
+          <a:chExt cx="0" cy="0"/>
+        </a:xfrm>
+      </p:grpSpPr>
+      <p:sp>
+        <p:nvSpPr>
+          <p:cNvPr id="2" name="Заголовок 1"/>
+          <p:cNvSpPr>
+            <a:spLocks noGrp="1"/>
+          </p:cNvSpPr>
+          <p:nvPr>
+            <p:ph type="title"/>
+          </p:nvPr>
+        </p:nvSpPr>
+        <p:spPr/>
+        <p:txBody>
+          <a:bodyPr/>
+          <a:lstStyle/>
+          <a:p>
+            <a:r>
+              <a:rPr lang="ru-RU" dirty="0" smtClean="0"/>
+              <a:t>Решения уравнения на стационарные точки</a:t>
+            </a:r>
+            <a:endParaRPr lang="ru-RU" dirty="0"/>
+          </a:p>
+        </p:txBody>
+      </p:sp>
+      <p:pic>
+        <p:nvPicPr>
+          <p:cNvPr id="4" name="Объект 3"/>
+          <p:cNvPicPr>
+            <a:picLocks noGrp="1" noChangeAspect="1"/>
+          </p:cNvPicPr>
+          <p:nvPr>
+            <p:ph idx="1"/>
+          </p:nvPr>
+        </p:nvPicPr>
+        <p:blipFill>
+          <a:blip r:embed="rId2">
+            <a:extLst>
+              <a:ext uri="{28A0092B-C50C-407E-A947-70E740481C1C}">
+                <a14:useLocalDpi xmlns:a14="http://schemas.microsoft.com/office/drawing/2010/main" val="0"/>
+              </a:ext>
+            </a:extLst>
+          </a:blip>
+          <a:stretch>
+            <a:fillRect/>
+          </a:stretch>
+        </p:blipFill>
+        <p:spPr>
+          <a:xfrm>
+            <a:off x="1421654" y="1690688"/>
+            <a:ext cx="9037799" cy="4895475"/>
+          </a:xfrm>
+        </p:spPr>
+      </p:pic>
+    </p:spTree>
+    <p:extLst>
+      <p:ext uri="{BB962C8B-B14F-4D97-AF65-F5344CB8AC3E}">
+        <p14:creationId xmlns:p14="http://schemas.microsoft.com/office/powerpoint/2010/main" val="1302107948"/>
+      </p:ext>
+    </p:extLst>
+  </p:cSld>
+  <p:clrMapOvr>
+    <a:masterClrMapping/>
+  </p:clrMapOvr>
+  <p:timing>
+    <p:tnLst>
+      <p:par>
+        <p:cTn id="1" dur="indefinite" restart="never" nodeType="tmRoot"/>
+      </p:par>
+    </p:tnLst>
+  </p:timing>
 </p:sld>
 </file>
 
@@ -6002,55 +7089,56 @@
           <a:bodyPr/>
           <a:lstStyle/>
           <a:p>
-            <a:r>
-              <a:rPr lang="ru-RU" dirty="0"/>
-              <a:t>Описание программного </a:t>
-            </a:r>
-            <a:r>
-              <a:rPr lang="ru-RU" dirty="0" smtClean="0"/>
-              <a:t>модуля</a:t>
-            </a:r>
-            <a:endParaRPr lang="ru-RU" dirty="0"/>
-          </a:p>
-        </p:txBody>
-      </p:sp>
-      <p:sp>
-        <p:nvSpPr>
-          <p:cNvPr id="3" name="Объект 2"/>
-          <p:cNvSpPr>
-            <a:spLocks noGrp="1"/>
-          </p:cNvSpPr>
+            <a:endParaRPr lang="ru-RU"/>
+          </a:p>
+        </p:txBody>
+      </p:sp>
+      <p:pic>
+        <p:nvPicPr>
+          <p:cNvPr id="4" name="Объект 3"/>
+          <p:cNvPicPr>
+            <a:picLocks noGrp="1" noChangeAspect="1"/>
+          </p:cNvPicPr>
           <p:nvPr>
             <p:ph idx="1"/>
           </p:nvPr>
-        </p:nvSpPr>
-        <p:spPr/>
-        <p:txBody>
-          <a:bodyPr/>
-          <a:lstStyle/>
-          <a:p>
-            <a:r>
-              <a:rPr lang="ru-RU" dirty="0" smtClean="0"/>
-              <a:t>Программа написана на языке </a:t>
-            </a:r>
-            <a:r>
-              <a:rPr lang="en-US" dirty="0" smtClean="0"/>
-              <a:t>C</a:t>
-            </a:r>
-            <a:endParaRPr lang="ru-RU" dirty="0"/>
-          </a:p>
-        </p:txBody>
-      </p:sp>
+        </p:nvPicPr>
+        <p:blipFill>
+          <a:blip r:embed="rId2">
+            <a:extLst>
+              <a:ext uri="{28A0092B-C50C-407E-A947-70E740481C1C}">
+                <a14:useLocalDpi xmlns:a14="http://schemas.microsoft.com/office/drawing/2010/main" val="0"/>
+              </a:ext>
+            </a:extLst>
+          </a:blip>
+          <a:stretch>
+            <a:fillRect/>
+          </a:stretch>
+        </p:blipFill>
+        <p:spPr>
+          <a:xfrm>
+            <a:off x="838200" y="365125"/>
+            <a:ext cx="10515600" cy="5695950"/>
+          </a:xfrm>
+        </p:spPr>
+      </p:pic>
     </p:spTree>
     <p:extLst>
       <p:ext uri="{BB962C8B-B14F-4D97-AF65-F5344CB8AC3E}">
-        <p14:creationId xmlns:p14="http://schemas.microsoft.com/office/powerpoint/2010/main" val="1118465761"/>
+        <p14:creationId xmlns:p14="http://schemas.microsoft.com/office/powerpoint/2010/main" val="4054488788"/>
       </p:ext>
     </p:extLst>
   </p:cSld>
   <p:clrMapOvr>
     <a:masterClrMapping/>
   </p:clrMapOvr>
+  <p:timing>
+    <p:tnLst>
+      <p:par>
+        <p:cTn id="1" dur="indefinite" restart="never" nodeType="tmRoot"/>
+      </p:par>
+    </p:tnLst>
+  </p:timing>
 </p:sld>
 </file>
 
